--- a/implementation.pptx
+++ b/implementation.pptx
@@ -5,7 +5,7 @@
     <p:sldMasterId id="2147483672" r:id="rId1"/>
   </p:sldMasterIdLst>
   <p:notesMasterIdLst>
-    <p:notesMasterId r:id="rId26"/>
+    <p:notesMasterId r:id="rId32"/>
   </p:notesMasterIdLst>
   <p:sldIdLst>
     <p:sldId id="256" r:id="rId2"/>
@@ -24,14 +24,20 @@
     <p:sldId id="284" r:id="rId15"/>
     <p:sldId id="269" r:id="rId16"/>
     <p:sldId id="285" r:id="rId17"/>
-    <p:sldId id="270" r:id="rId18"/>
-    <p:sldId id="271" r:id="rId19"/>
-    <p:sldId id="288" r:id="rId20"/>
-    <p:sldId id="287" r:id="rId21"/>
-    <p:sldId id="274" r:id="rId22"/>
-    <p:sldId id="275" r:id="rId23"/>
-    <p:sldId id="276" r:id="rId24"/>
-    <p:sldId id="286" r:id="rId25"/>
+    <p:sldId id="289" r:id="rId18"/>
+    <p:sldId id="270" r:id="rId19"/>
+    <p:sldId id="271" r:id="rId20"/>
+    <p:sldId id="288" r:id="rId21"/>
+    <p:sldId id="287" r:id="rId22"/>
+    <p:sldId id="274" r:id="rId23"/>
+    <p:sldId id="275" r:id="rId24"/>
+    <p:sldId id="276" r:id="rId25"/>
+    <p:sldId id="290" r:id="rId26"/>
+    <p:sldId id="291" r:id="rId27"/>
+    <p:sldId id="286" r:id="rId28"/>
+    <p:sldId id="292" r:id="rId29"/>
+    <p:sldId id="293" r:id="rId30"/>
+    <p:sldId id="294" r:id="rId31"/>
   </p:sldIdLst>
   <p:sldSz cx="12192000" cy="6858000"/>
   <p:notesSz cx="6858000" cy="9144000"/>
@@ -5950,8 +5956,27 @@
             </a:lnSpc>
           </a:pPr>
           <a:r>
-            <a:rPr lang="en-US"/>
+            <a:rPr lang="en-US" dirty="0"/>
             <a:t>Refactored the previous algorithm’s implementation using an OOP approach</a:t>
+          </a:r>
+        </a:p>
+        <a:p>
+          <a:pPr>
+            <a:lnSpc>
+              <a:spcPct val="100000"/>
+            </a:lnSpc>
+          </a:pPr>
+          <a:endParaRPr lang="en-US" dirty="0"/>
+        </a:p>
+        <a:p>
+          <a:pPr>
+            <a:lnSpc>
+              <a:spcPct val="100000"/>
+            </a:lnSpc>
+          </a:pPr>
+          <a:r>
+            <a:rPr lang="en-US" dirty="0"/>
+            <a:t>Implemented multithreading</a:t>
           </a:r>
         </a:p>
       </dgm:t>
@@ -6444,7 +6469,7 @@
   <dgm:whole/>
   <dgm:extLst>
     <a:ext uri="http://schemas.microsoft.com/office/drawing/2008/diagram">
-      <dsp:dataModelExt xmlns:dsp="http://schemas.microsoft.com/office/drawing/2008/diagram" relId="rId6" minVer="http://schemas.openxmlformats.org/drawingml/2006/diagram"/>
+      <dsp:dataModelExt xmlns:dsp="http://schemas.microsoft.com/office/drawing/2008/diagram" relId="rId7" minVer="http://schemas.openxmlformats.org/drawingml/2006/diagram"/>
     </a:ext>
   </dgm:extLst>
 </dgm:dataModel>
@@ -8887,7 +8912,7 @@
       </dsp:nvSpPr>
       <dsp:spPr>
         <a:xfrm>
-          <a:off x="561779" y="185821"/>
+          <a:off x="561779" y="188771"/>
           <a:ext cx="596686" cy="596686"/>
         </a:xfrm>
         <a:prstGeom prst="rect">
@@ -8944,7 +8969,7 @@
       </dsp:nvSpPr>
       <dsp:spPr>
         <a:xfrm>
-          <a:off x="7713" y="899912"/>
+          <a:off x="7713" y="902608"/>
           <a:ext cx="1704817" cy="415549"/>
         </a:xfrm>
         <a:prstGeom prst="rect">
@@ -8994,7 +9019,7 @@
         </a:p>
       </dsp:txBody>
       <dsp:txXfrm>
-        <a:off x="7713" y="899912"/>
+        <a:off x="7713" y="902608"/>
         <a:ext cx="1704817" cy="415549"/>
       </dsp:txXfrm>
     </dsp:sp>
@@ -9005,8 +9030,8 @@
       </dsp:nvSpPr>
       <dsp:spPr>
         <a:xfrm>
-          <a:off x="7713" y="1370068"/>
-          <a:ext cx="1704817" cy="1546092"/>
+          <a:off x="7713" y="1372646"/>
+          <a:ext cx="1704817" cy="1540564"/>
         </a:xfrm>
         <a:prstGeom prst="rect">
           <a:avLst/>
@@ -9087,8 +9112,8 @@
         </a:p>
       </dsp:txBody>
       <dsp:txXfrm>
-        <a:off x="7713" y="1370068"/>
-        <a:ext cx="1704817" cy="1546092"/>
+        <a:off x="7713" y="1372646"/>
+        <a:ext cx="1704817" cy="1540564"/>
       </dsp:txXfrm>
     </dsp:sp>
     <dsp:sp modelId="{60B498FC-C596-4CEF-8C60-A0AFCA7BC266}">
@@ -9098,7 +9123,7 @@
       </dsp:nvSpPr>
       <dsp:spPr>
         <a:xfrm>
-          <a:off x="2564940" y="185821"/>
+          <a:off x="2564940" y="188771"/>
           <a:ext cx="596686" cy="596686"/>
         </a:xfrm>
         <a:prstGeom prst="rect">
@@ -9152,7 +9177,7 @@
       </dsp:nvSpPr>
       <dsp:spPr>
         <a:xfrm>
-          <a:off x="2010874" y="899912"/>
+          <a:off x="2010874" y="902608"/>
           <a:ext cx="1704817" cy="415549"/>
         </a:xfrm>
         <a:prstGeom prst="rect">
@@ -9202,7 +9227,7 @@
         </a:p>
       </dsp:txBody>
       <dsp:txXfrm>
-        <a:off x="2010874" y="899912"/>
+        <a:off x="2010874" y="902608"/>
         <a:ext cx="1704817" cy="415549"/>
       </dsp:txXfrm>
     </dsp:sp>
@@ -9213,8 +9238,8 @@
       </dsp:nvSpPr>
       <dsp:spPr>
         <a:xfrm>
-          <a:off x="2010874" y="1370068"/>
-          <a:ext cx="1704817" cy="1546092"/>
+          <a:off x="2010874" y="1372646"/>
+          <a:ext cx="1704817" cy="1540564"/>
         </a:xfrm>
         <a:prstGeom prst="rect">
           <a:avLst/>
@@ -9262,8 +9287,8 @@
         </a:p>
       </dsp:txBody>
       <dsp:txXfrm>
-        <a:off x="2010874" y="1370068"/>
-        <a:ext cx="1704817" cy="1546092"/>
+        <a:off x="2010874" y="1372646"/>
+        <a:ext cx="1704817" cy="1540564"/>
       </dsp:txXfrm>
     </dsp:sp>
     <dsp:sp modelId="{794B8AD2-E31D-4DB9-AAA3-4FDB9EFDC277}">
@@ -9273,7 +9298,7 @@
       </dsp:nvSpPr>
       <dsp:spPr>
         <a:xfrm>
-          <a:off x="4568101" y="185821"/>
+          <a:off x="4568101" y="188771"/>
           <a:ext cx="596686" cy="596686"/>
         </a:xfrm>
         <a:prstGeom prst="rect">
@@ -9327,7 +9352,7 @@
       </dsp:nvSpPr>
       <dsp:spPr>
         <a:xfrm>
-          <a:off x="4014035" y="899912"/>
+          <a:off x="4014035" y="902608"/>
           <a:ext cx="1704817" cy="415549"/>
         </a:xfrm>
         <a:prstGeom prst="rect">
@@ -9377,7 +9402,7 @@
         </a:p>
       </dsp:txBody>
       <dsp:txXfrm>
-        <a:off x="4014035" y="899912"/>
+        <a:off x="4014035" y="902608"/>
         <a:ext cx="1704817" cy="415549"/>
       </dsp:txXfrm>
     </dsp:sp>
@@ -9388,8 +9413,8 @@
       </dsp:nvSpPr>
       <dsp:spPr>
         <a:xfrm>
-          <a:off x="4014035" y="1370068"/>
-          <a:ext cx="1704817" cy="1546092"/>
+          <a:off x="4014035" y="1372646"/>
+          <a:ext cx="1704817" cy="1540564"/>
         </a:xfrm>
         <a:prstGeom prst="rect">
           <a:avLst/>
@@ -9464,14 +9489,47 @@
             <a:buNone/>
           </a:pPr>
           <a:r>
-            <a:rPr lang="en-US" sz="1100" kern="1200"/>
+            <a:rPr lang="en-US" sz="1100" kern="1200" dirty="0"/>
             <a:t>Refactored the previous algorithm’s implementation using an OOP approach</a:t>
+          </a:r>
+        </a:p>
+        <a:p>
+          <a:pPr marL="0" lvl="0" indent="0" algn="ctr" defTabSz="488950">
+            <a:lnSpc>
+              <a:spcPct val="100000"/>
+            </a:lnSpc>
+            <a:spcBef>
+              <a:spcPct val="0"/>
+            </a:spcBef>
+            <a:spcAft>
+              <a:spcPct val="35000"/>
+            </a:spcAft>
+            <a:buNone/>
+          </a:pPr>
+          <a:endParaRPr lang="en-US" sz="1100" kern="1200" dirty="0"/>
+        </a:p>
+        <a:p>
+          <a:pPr marL="0" lvl="0" indent="0" algn="ctr" defTabSz="488950">
+            <a:lnSpc>
+              <a:spcPct val="100000"/>
+            </a:lnSpc>
+            <a:spcBef>
+              <a:spcPct val="0"/>
+            </a:spcBef>
+            <a:spcAft>
+              <a:spcPct val="35000"/>
+            </a:spcAft>
+            <a:buNone/>
+          </a:pPr>
+          <a:r>
+            <a:rPr lang="en-US" sz="1100" kern="1200" dirty="0"/>
+            <a:t>Implemented multithreading</a:t>
           </a:r>
         </a:p>
       </dsp:txBody>
       <dsp:txXfrm>
-        <a:off x="4014035" y="1370068"/>
-        <a:ext cx="1704817" cy="1546092"/>
+        <a:off x="4014035" y="1372646"/>
+        <a:ext cx="1704817" cy="1540564"/>
       </dsp:txXfrm>
     </dsp:sp>
     <dsp:sp modelId="{C203A389-D0AB-47A3-AA2A-A598C03F9373}">
@@ -9481,7 +9539,7 @@
       </dsp:nvSpPr>
       <dsp:spPr>
         <a:xfrm>
-          <a:off x="6571262" y="185821"/>
+          <a:off x="6571262" y="188771"/>
           <a:ext cx="596686" cy="596686"/>
         </a:xfrm>
         <a:prstGeom prst="rect">
@@ -9537,7 +9595,7 @@
       </dsp:nvSpPr>
       <dsp:spPr>
         <a:xfrm>
-          <a:off x="6017196" y="899912"/>
+          <a:off x="6017196" y="902608"/>
           <a:ext cx="1704817" cy="415549"/>
         </a:xfrm>
         <a:prstGeom prst="rect">
@@ -9587,7 +9645,7 @@
         </a:p>
       </dsp:txBody>
       <dsp:txXfrm>
-        <a:off x="6017196" y="899912"/>
+        <a:off x="6017196" y="902608"/>
         <a:ext cx="1704817" cy="415549"/>
       </dsp:txXfrm>
     </dsp:sp>
@@ -9598,8 +9656,8 @@
       </dsp:nvSpPr>
       <dsp:spPr>
         <a:xfrm>
-          <a:off x="6017196" y="1370068"/>
-          <a:ext cx="1704817" cy="1546092"/>
+          <a:off x="6017196" y="1372646"/>
+          <a:ext cx="1704817" cy="1540564"/>
         </a:xfrm>
         <a:prstGeom prst="rect">
           <a:avLst/>
@@ -9713,8 +9771,8 @@
         </a:p>
       </dsp:txBody>
       <dsp:txXfrm>
-        <a:off x="6017196" y="1370068"/>
-        <a:ext cx="1704817" cy="1546092"/>
+        <a:off x="6017196" y="1372646"/>
+        <a:ext cx="1704817" cy="1540564"/>
       </dsp:txXfrm>
     </dsp:sp>
   </dsp:spTree>
@@ -16532,7 +16590,7 @@
           <a:p>
             <a:fld id="{7A3ADE21-563B-4639-8C0E-9C6D492494E5}" type="datetimeFigureOut">
               <a:rPr lang="en-US" smtClean="0"/>
-              <a:t>5/3/2021</a:t>
+              <a:t>5/5/2021</a:t>
             </a:fld>
             <a:endParaRPr lang="en-US"/>
           </a:p>
@@ -17219,6 +17277,174 @@
 </p:notes>
 </file>
 
+<file path=ppt/notesSlides/notesSlide6.xml><?xml version="1.0" encoding="utf-8"?>
+<p:notes xmlns:a="http://schemas.openxmlformats.org/drawingml/2006/main" xmlns:r="http://schemas.openxmlformats.org/officeDocument/2006/relationships" xmlns:p="http://schemas.openxmlformats.org/presentationml/2006/main">
+  <p:cSld>
+    <p:spTree>
+      <p:nvGrpSpPr>
+        <p:cNvPr id="1" name=""/>
+        <p:cNvGrpSpPr/>
+        <p:nvPr/>
+      </p:nvGrpSpPr>
+      <p:grpSpPr>
+        <a:xfrm>
+          <a:off x="0" y="0"/>
+          <a:ext cx="0" cy="0"/>
+          <a:chOff x="0" y="0"/>
+          <a:chExt cx="0" cy="0"/>
+        </a:xfrm>
+      </p:grpSpPr>
+      <p:sp>
+        <p:nvSpPr>
+          <p:cNvPr id="2" name="Slide Image Placeholder 1"/>
+          <p:cNvSpPr>
+            <a:spLocks noGrp="1" noRot="1" noChangeAspect="1"/>
+          </p:cNvSpPr>
+          <p:nvPr>
+            <p:ph type="sldImg"/>
+          </p:nvPr>
+        </p:nvSpPr>
+        <p:spPr/>
+      </p:sp>
+      <p:sp>
+        <p:nvSpPr>
+          <p:cNvPr id="3" name="Notes Placeholder 2"/>
+          <p:cNvSpPr>
+            <a:spLocks noGrp="1"/>
+          </p:cNvSpPr>
+          <p:nvPr>
+            <p:ph type="body" idx="1"/>
+          </p:nvPr>
+        </p:nvSpPr>
+        <p:spPr/>
+        <p:txBody>
+          <a:bodyPr/>
+          <a:lstStyle/>
+          <a:p>
+            <a:endParaRPr lang="en-US" dirty="0"/>
+          </a:p>
+        </p:txBody>
+      </p:sp>
+      <p:sp>
+        <p:nvSpPr>
+          <p:cNvPr id="4" name="Slide Number Placeholder 3"/>
+          <p:cNvSpPr>
+            <a:spLocks noGrp="1"/>
+          </p:cNvSpPr>
+          <p:nvPr>
+            <p:ph type="sldNum" sz="quarter" idx="5"/>
+          </p:nvPr>
+        </p:nvSpPr>
+        <p:spPr/>
+        <p:txBody>
+          <a:bodyPr/>
+          <a:lstStyle/>
+          <a:p>
+            <a:fld id="{881FCCE4-283F-4621-9454-1613896DD231}" type="slidenum">
+              <a:rPr lang="en-US" smtClean="0"/>
+              <a:t>17</a:t>
+            </a:fld>
+            <a:endParaRPr lang="en-US"/>
+          </a:p>
+        </p:txBody>
+      </p:sp>
+    </p:spTree>
+    <p:extLst>
+      <p:ext uri="{BB962C8B-B14F-4D97-AF65-F5344CB8AC3E}">
+        <p14:creationId xmlns:p14="http://schemas.microsoft.com/office/powerpoint/2010/main" val="4208906148"/>
+      </p:ext>
+    </p:extLst>
+  </p:cSld>
+  <p:clrMapOvr>
+    <a:masterClrMapping/>
+  </p:clrMapOvr>
+</p:notes>
+</file>
+
+<file path=ppt/notesSlides/notesSlide7.xml><?xml version="1.0" encoding="utf-8"?>
+<p:notes xmlns:a="http://schemas.openxmlformats.org/drawingml/2006/main" xmlns:r="http://schemas.openxmlformats.org/officeDocument/2006/relationships" xmlns:p="http://schemas.openxmlformats.org/presentationml/2006/main">
+  <p:cSld>
+    <p:spTree>
+      <p:nvGrpSpPr>
+        <p:cNvPr id="1" name=""/>
+        <p:cNvGrpSpPr/>
+        <p:nvPr/>
+      </p:nvGrpSpPr>
+      <p:grpSpPr>
+        <a:xfrm>
+          <a:off x="0" y="0"/>
+          <a:ext cx="0" cy="0"/>
+          <a:chOff x="0" y="0"/>
+          <a:chExt cx="0" cy="0"/>
+        </a:xfrm>
+      </p:grpSpPr>
+      <p:sp>
+        <p:nvSpPr>
+          <p:cNvPr id="2" name="Slide Image Placeholder 1"/>
+          <p:cNvSpPr>
+            <a:spLocks noGrp="1" noRot="1" noChangeAspect="1"/>
+          </p:cNvSpPr>
+          <p:nvPr>
+            <p:ph type="sldImg"/>
+          </p:nvPr>
+        </p:nvSpPr>
+        <p:spPr/>
+      </p:sp>
+      <p:sp>
+        <p:nvSpPr>
+          <p:cNvPr id="3" name="Notes Placeholder 2"/>
+          <p:cNvSpPr>
+            <a:spLocks noGrp="1"/>
+          </p:cNvSpPr>
+          <p:nvPr>
+            <p:ph type="body" idx="1"/>
+          </p:nvPr>
+        </p:nvSpPr>
+        <p:spPr/>
+        <p:txBody>
+          <a:bodyPr/>
+          <a:lstStyle/>
+          <a:p>
+            <a:endParaRPr lang="en-US" dirty="0"/>
+          </a:p>
+        </p:txBody>
+      </p:sp>
+      <p:sp>
+        <p:nvSpPr>
+          <p:cNvPr id="4" name="Slide Number Placeholder 3"/>
+          <p:cNvSpPr>
+            <a:spLocks noGrp="1"/>
+          </p:cNvSpPr>
+          <p:nvPr>
+            <p:ph type="sldNum" sz="quarter" idx="5"/>
+          </p:nvPr>
+        </p:nvSpPr>
+        <p:spPr/>
+        <p:txBody>
+          <a:bodyPr/>
+          <a:lstStyle/>
+          <a:p>
+            <a:fld id="{881FCCE4-283F-4621-9454-1613896DD231}" type="slidenum">
+              <a:rPr lang="en-US" smtClean="0"/>
+              <a:t>24</a:t>
+            </a:fld>
+            <a:endParaRPr lang="en-US"/>
+          </a:p>
+        </p:txBody>
+      </p:sp>
+    </p:spTree>
+    <p:extLst>
+      <p:ext uri="{BB962C8B-B14F-4D97-AF65-F5344CB8AC3E}">
+        <p14:creationId xmlns:p14="http://schemas.microsoft.com/office/powerpoint/2010/main" val="2332943404"/>
+      </p:ext>
+    </p:extLst>
+  </p:cSld>
+  <p:clrMapOvr>
+    <a:masterClrMapping/>
+  </p:clrMapOvr>
+</p:notes>
+</file>
+
 <file path=ppt/slideLayouts/slideLayout1.xml><?xml version="1.0" encoding="utf-8"?>
 <p:sldLayout xmlns:a="http://schemas.openxmlformats.org/drawingml/2006/main" xmlns:r="http://schemas.openxmlformats.org/officeDocument/2006/relationships" xmlns:p="http://schemas.openxmlformats.org/presentationml/2006/main" type="title" preserve="1">
   <p:cSld name="Title Slide">
@@ -17382,7 +17608,7 @@
           <a:p>
             <a:fld id="{1EA177B0-755E-40F8-87BF-30E6A8219060}" type="datetimeFigureOut">
               <a:rPr lang="en-US" smtClean="0"/>
-              <a:t>5/3/2021</a:t>
+              <a:t>5/5/2021</a:t>
             </a:fld>
             <a:endParaRPr lang="en-US"/>
           </a:p>
@@ -17552,7 +17778,7 @@
           <a:p>
             <a:fld id="{1EA177B0-755E-40F8-87BF-30E6A8219060}" type="datetimeFigureOut">
               <a:rPr lang="en-US" smtClean="0"/>
-              <a:t>5/3/2021</a:t>
+              <a:t>5/5/2021</a:t>
             </a:fld>
             <a:endParaRPr lang="en-US"/>
           </a:p>
@@ -17732,7 +17958,7 @@
           <a:p>
             <a:fld id="{1EA177B0-755E-40F8-87BF-30E6A8219060}" type="datetimeFigureOut">
               <a:rPr lang="en-US" smtClean="0"/>
-              <a:t>5/3/2021</a:t>
+              <a:t>5/5/2021</a:t>
             </a:fld>
             <a:endParaRPr lang="en-US"/>
           </a:p>
@@ -17902,7 +18128,7 @@
           <a:p>
             <a:fld id="{1EA177B0-755E-40F8-87BF-30E6A8219060}" type="datetimeFigureOut">
               <a:rPr lang="en-US" smtClean="0"/>
-              <a:t>5/3/2021</a:t>
+              <a:t>5/5/2021</a:t>
             </a:fld>
             <a:endParaRPr lang="en-US"/>
           </a:p>
@@ -18170,7 +18396,7 @@
           <a:p>
             <a:fld id="{1EA177B0-755E-40F8-87BF-30E6A8219060}" type="datetimeFigureOut">
               <a:rPr lang="en-US" smtClean="0"/>
-              <a:t>5/3/2021</a:t>
+              <a:t>5/5/2021</a:t>
             </a:fld>
             <a:endParaRPr lang="en-US"/>
           </a:p>
@@ -18402,7 +18628,7 @@
           <a:p>
             <a:fld id="{1EA177B0-755E-40F8-87BF-30E6A8219060}" type="datetimeFigureOut">
               <a:rPr lang="en-US" smtClean="0"/>
-              <a:t>5/3/2021</a:t>
+              <a:t>5/5/2021</a:t>
             </a:fld>
             <a:endParaRPr lang="en-US"/>
           </a:p>
@@ -18761,7 +18987,7 @@
           <a:p>
             <a:fld id="{1EA177B0-755E-40F8-87BF-30E6A8219060}" type="datetimeFigureOut">
               <a:rPr lang="en-US" smtClean="0"/>
-              <a:t>5/3/2021</a:t>
+              <a:t>5/5/2021</a:t>
             </a:fld>
             <a:endParaRPr lang="en-US"/>
           </a:p>
@@ -18902,7 +19128,7 @@
           <a:p>
             <a:fld id="{1EA177B0-755E-40F8-87BF-30E6A8219060}" type="datetimeFigureOut">
               <a:rPr lang="en-US" smtClean="0"/>
-              <a:t>5/3/2021</a:t>
+              <a:t>5/5/2021</a:t>
             </a:fld>
             <a:endParaRPr lang="en-US"/>
           </a:p>
@@ -18997,7 +19223,7 @@
           <a:p>
             <a:fld id="{1EA177B0-755E-40F8-87BF-30E6A8219060}" type="datetimeFigureOut">
               <a:rPr lang="en-US" smtClean="0"/>
-              <a:t>5/3/2021</a:t>
+              <a:t>5/5/2021</a:t>
             </a:fld>
             <a:endParaRPr lang="en-US"/>
           </a:p>
@@ -19354,7 +19580,7 @@
           <a:p>
             <a:fld id="{1EA177B0-755E-40F8-87BF-30E6A8219060}" type="datetimeFigureOut">
               <a:rPr lang="en-US" smtClean="0"/>
-              <a:t>5/3/2021</a:t>
+              <a:t>5/5/2021</a:t>
             </a:fld>
             <a:endParaRPr lang="en-US"/>
           </a:p>
@@ -19711,7 +19937,7 @@
           <a:p>
             <a:fld id="{1EA177B0-755E-40F8-87BF-30E6A8219060}" type="datetimeFigureOut">
               <a:rPr lang="en-US" smtClean="0"/>
-              <a:t>5/3/2021</a:t>
+              <a:t>5/5/2021</a:t>
             </a:fld>
             <a:endParaRPr lang="en-US"/>
           </a:p>
@@ -19953,7 +20179,7 @@
           <a:p>
             <a:fld id="{1EA177B0-755E-40F8-87BF-30E6A8219060}" type="datetimeFigureOut">
               <a:rPr lang="en-US" smtClean="0"/>
-              <a:t>5/3/2021</a:t>
+              <a:t>5/5/2021</a:t>
             </a:fld>
             <a:endParaRPr lang="en-US"/>
           </a:p>
@@ -23194,6 +23420,551 @@
 <file path=ppt/slides/slide17.xml><?xml version="1.0" encoding="utf-8"?>
 <p:sld xmlns:a="http://schemas.openxmlformats.org/drawingml/2006/main" xmlns:r="http://schemas.openxmlformats.org/officeDocument/2006/relationships" xmlns:p="http://schemas.openxmlformats.org/presentationml/2006/main">
   <p:cSld>
+    <p:bg>
+      <p:bgPr>
+        <a:solidFill>
+          <a:schemeClr val="bg1">
+            <a:lumMod val="95000"/>
+          </a:schemeClr>
+        </a:solidFill>
+        <a:effectLst/>
+      </p:bgPr>
+    </p:bg>
+    <p:spTree>
+      <p:nvGrpSpPr>
+        <p:cNvPr id="1" name=""/>
+        <p:cNvGrpSpPr/>
+        <p:nvPr/>
+      </p:nvGrpSpPr>
+      <p:grpSpPr>
+        <a:xfrm>
+          <a:off x="0" y="0"/>
+          <a:ext cx="0" cy="0"/>
+          <a:chOff x="0" y="0"/>
+          <a:chExt cx="0" cy="0"/>
+        </a:xfrm>
+      </p:grpSpPr>
+      <p:sp useBgFill="1">
+        <p:nvSpPr>
+          <p:cNvPr id="22" name="Rectangle 21">
+            <a:extLst>
+              <a:ext uri="{FF2B5EF4-FFF2-40B4-BE49-F238E27FC236}">
+                <a16:creationId xmlns:a16="http://schemas.microsoft.com/office/drawing/2014/main" id="{1660E788-AFA9-4A1B-9991-6AA74632A15B}"/>
+              </a:ext>
+              <a:ext uri="{C183D7F6-B498-43B3-948B-1728B52AA6E4}">
+                <adec:decorative xmlns:adec="http://schemas.microsoft.com/office/drawing/2017/decorative" val="1"/>
+              </a:ext>
+            </a:extLst>
+          </p:cNvPr>
+          <p:cNvSpPr>
+            <a:spLocks noGrp="1" noRot="1" noChangeAspect="1" noMove="1" noResize="1" noEditPoints="1" noAdjustHandles="1" noChangeArrowheads="1" noChangeShapeType="1" noTextEdit="1"/>
+          </p:cNvSpPr>
+          <p:nvPr>
+            <p:extLst>
+              <p:ext uri="{386F3935-93C4-4BCD-93E2-E3B085C9AB24}">
+                <p16:designElem xmlns:p16="http://schemas.microsoft.com/office/powerpoint/2015/main" val="1"/>
+              </p:ext>
+            </p:extLst>
+          </p:nvPr>
+        </p:nvSpPr>
+        <p:spPr>
+          <a:xfrm>
+            <a:off x="0" y="0"/>
+            <a:ext cx="12191999" cy="6858000"/>
+          </a:xfrm>
+          <a:prstGeom prst="rect">
+            <a:avLst/>
+          </a:prstGeom>
+          <a:ln>
+            <a:noFill/>
+          </a:ln>
+        </p:spPr>
+        <p:style>
+          <a:lnRef idx="2">
+            <a:schemeClr val="accent1">
+              <a:shade val="50000"/>
+            </a:schemeClr>
+          </a:lnRef>
+          <a:fillRef idx="1">
+            <a:schemeClr val="accent1"/>
+          </a:fillRef>
+          <a:effectRef idx="0">
+            <a:schemeClr val="accent1"/>
+          </a:effectRef>
+          <a:fontRef idx="minor">
+            <a:schemeClr val="lt1"/>
+          </a:fontRef>
+        </p:style>
+        <p:txBody>
+          <a:bodyPr rtlCol="0" anchor="ctr"/>
+          <a:lstStyle/>
+          <a:p>
+            <a:pPr algn="ctr"/>
+            <a:endParaRPr lang="en-US"/>
+          </a:p>
+        </p:txBody>
+      </p:sp>
+      <p:sp>
+        <p:nvSpPr>
+          <p:cNvPr id="24" name="Rectangle 23">
+            <a:extLst>
+              <a:ext uri="{FF2B5EF4-FFF2-40B4-BE49-F238E27FC236}">
+                <a16:creationId xmlns:a16="http://schemas.microsoft.com/office/drawing/2014/main" id="{867D4867-5BA7-4462-B2F6-A23F4A622AA7}"/>
+              </a:ext>
+              <a:ext uri="{C183D7F6-B498-43B3-948B-1728B52AA6E4}">
+                <adec:decorative xmlns:adec="http://schemas.microsoft.com/office/drawing/2017/decorative" val="1"/>
+              </a:ext>
+            </a:extLst>
+          </p:cNvPr>
+          <p:cNvSpPr>
+            <a:spLocks noGrp="1" noRot="1" noChangeAspect="1" noMove="1" noResize="1" noEditPoints="1" noAdjustHandles="1" noChangeArrowheads="1" noChangeShapeType="1" noTextEdit="1"/>
+          </p:cNvSpPr>
+          <p:nvPr>
+            <p:extLst>
+              <p:ext uri="{386F3935-93C4-4BCD-93E2-E3B085C9AB24}">
+                <p16:designElem xmlns:p16="http://schemas.microsoft.com/office/powerpoint/2015/main" val="1"/>
+              </p:ext>
+            </p:extLst>
+          </p:nvPr>
+        </p:nvSpPr>
+        <p:spPr>
+          <a:xfrm>
+            <a:off x="0" y="0"/>
+            <a:ext cx="4654296" cy="6858000"/>
+          </a:xfrm>
+          <a:prstGeom prst="rect">
+            <a:avLst/>
+          </a:prstGeom>
+          <a:solidFill>
+            <a:schemeClr val="tx2"/>
+          </a:solidFill>
+          <a:ln>
+            <a:noFill/>
+          </a:ln>
+        </p:spPr>
+        <p:style>
+          <a:lnRef idx="0">
+            <a:scrgbClr r="0" g="0" b="0"/>
+          </a:lnRef>
+          <a:fillRef idx="0">
+            <a:scrgbClr r="0" g="0" b="0"/>
+          </a:fillRef>
+          <a:effectRef idx="0">
+            <a:scrgbClr r="0" g="0" b="0"/>
+          </a:effectRef>
+          <a:fontRef idx="minor">
+            <a:schemeClr val="lt1"/>
+          </a:fontRef>
+        </p:style>
+        <p:txBody>
+          <a:bodyPr rtlCol="0" anchor="ctr"/>
+          <a:lstStyle/>
+          <a:p>
+            <a:pPr algn="ctr"/>
+            <a:endParaRPr lang="en-US"/>
+          </a:p>
+        </p:txBody>
+      </p:sp>
+      <p:sp>
+        <p:nvSpPr>
+          <p:cNvPr id="2" name="Title 1">
+            <a:extLst>
+              <a:ext uri="{FF2B5EF4-FFF2-40B4-BE49-F238E27FC236}">
+                <a16:creationId xmlns:a16="http://schemas.microsoft.com/office/drawing/2014/main" id="{8B9165A5-9035-4067-98EA-3AECC7B2BE37}"/>
+              </a:ext>
+            </a:extLst>
+          </p:cNvPr>
+          <p:cNvSpPr>
+            <a:spLocks noGrp="1"/>
+          </p:cNvSpPr>
+          <p:nvPr>
+            <p:ph type="title"/>
+          </p:nvPr>
+        </p:nvSpPr>
+        <p:spPr>
+          <a:xfrm>
+            <a:off x="643467" y="643467"/>
+            <a:ext cx="3363974" cy="1728044"/>
+          </a:xfrm>
+          <a:noFill/>
+          <a:ln>
+            <a:solidFill>
+              <a:schemeClr val="bg1"/>
+            </a:solidFill>
+          </a:ln>
+        </p:spPr>
+        <p:txBody>
+          <a:bodyPr vert="horz" wrap="square" lIns="182880" tIns="182880" rIns="182880" bIns="182880" rtlCol="0" anchor="ctr">
+            <a:normAutofit/>
+          </a:bodyPr>
+          <a:lstStyle/>
+          <a:p>
+            <a:r>
+              <a:rPr lang="en-US" sz="2400">
+                <a:solidFill>
+                  <a:schemeClr val="bg1"/>
+                </a:solidFill>
+              </a:rPr>
+              <a:t>Compute automaton implementation</a:t>
+            </a:r>
+          </a:p>
+        </p:txBody>
+      </p:sp>
+      <p:sp>
+        <p:nvSpPr>
+          <p:cNvPr id="10" name="TextBox 9">
+            <a:extLst>
+              <a:ext uri="{FF2B5EF4-FFF2-40B4-BE49-F238E27FC236}">
+                <a16:creationId xmlns:a16="http://schemas.microsoft.com/office/drawing/2014/main" id="{6B56B39A-A216-43B2-8E5D-E6F8184A8079}"/>
+              </a:ext>
+            </a:extLst>
+          </p:cNvPr>
+          <p:cNvSpPr txBox="1"/>
+          <p:nvPr/>
+        </p:nvSpPr>
+        <p:spPr>
+          <a:xfrm>
+            <a:off x="643468" y="2638044"/>
+            <a:ext cx="3363974" cy="3415622"/>
+          </a:xfrm>
+          <a:prstGeom prst="rect">
+            <a:avLst/>
+          </a:prstGeom>
+        </p:spPr>
+        <p:txBody>
+          <a:bodyPr vert="horz" lIns="91440" tIns="45720" rIns="91440" bIns="45720" rtlCol="0">
+            <a:normAutofit/>
+          </a:bodyPr>
+          <a:lstStyle/>
+          <a:p>
+            <a:pPr defTabSz="914400">
+              <a:lnSpc>
+                <a:spcPct val="90000"/>
+              </a:lnSpc>
+              <a:spcBef>
+                <a:spcPts val="1000"/>
+              </a:spcBef>
+              <a:buClr>
+                <a:schemeClr val="accent2"/>
+              </a:buClr>
+            </a:pPr>
+            <a:r>
+              <a:rPr lang="en-US" sz="1100" dirty="0">
+                <a:solidFill>
+                  <a:schemeClr val="bg1"/>
+                </a:solidFill>
+              </a:rPr>
+              <a:t>Compute automaton takes subsets </a:t>
+            </a:r>
+            <a:r>
+              <a:rPr lang="en-US" sz="1100" i="1" dirty="0">
+                <a:solidFill>
+                  <a:schemeClr val="bg1"/>
+                </a:solidFill>
+              </a:rPr>
+              <a:t>m </a:t>
+            </a:r>
+            <a:r>
+              <a:rPr lang="en-US" sz="1100" dirty="0">
+                <a:solidFill>
+                  <a:schemeClr val="bg1"/>
+                </a:solidFill>
+              </a:rPr>
+              <a:t>input</a:t>
+            </a:r>
+            <a:r>
+              <a:rPr lang="en-US" sz="1100" i="1" dirty="0">
+                <a:solidFill>
+                  <a:schemeClr val="bg1"/>
+                </a:solidFill>
+              </a:rPr>
+              <a:t>.</a:t>
+            </a:r>
+          </a:p>
+          <a:p>
+            <a:pPr indent="-228600" defTabSz="914400">
+              <a:lnSpc>
+                <a:spcPct val="90000"/>
+              </a:lnSpc>
+              <a:spcBef>
+                <a:spcPts val="1000"/>
+              </a:spcBef>
+              <a:buClr>
+                <a:schemeClr val="accent2"/>
+              </a:buClr>
+              <a:buFont typeface="Arial" panose="020B0604020202020204" pitchFamily="34" charset="0"/>
+              <a:buChar char="•"/>
+            </a:pPr>
+            <a:endParaRPr lang="en-US" sz="1100" i="1" dirty="0">
+              <a:solidFill>
+                <a:schemeClr val="bg1"/>
+              </a:solidFill>
+            </a:endParaRPr>
+          </a:p>
+          <a:p>
+            <a:pPr indent="-228600" defTabSz="914400">
+              <a:lnSpc>
+                <a:spcPct val="90000"/>
+              </a:lnSpc>
+              <a:spcBef>
+                <a:spcPts val="1000"/>
+              </a:spcBef>
+              <a:buClr>
+                <a:schemeClr val="accent2"/>
+              </a:buClr>
+              <a:buFont typeface="Wingdings" panose="05000000000000000000" pitchFamily="2" charset="2"/>
+              <a:buChar char="Ø"/>
+            </a:pPr>
+            <a:r>
+              <a:rPr lang="en-US" sz="1100" i="1" dirty="0">
+                <a:solidFill>
+                  <a:schemeClr val="bg1"/>
+                </a:solidFill>
+              </a:rPr>
+              <a:t>m </a:t>
+            </a:r>
+            <a:r>
+              <a:rPr lang="en-US" sz="1100" dirty="0">
+                <a:solidFill>
+                  <a:schemeClr val="bg1"/>
+                </a:solidFill>
+              </a:rPr>
+              <a:t>is the number of subsets that compute automaton creates.</a:t>
+            </a:r>
+          </a:p>
+          <a:p>
+            <a:pPr indent="-228600" defTabSz="914400">
+              <a:lnSpc>
+                <a:spcPct val="90000"/>
+              </a:lnSpc>
+              <a:spcBef>
+                <a:spcPts val="1000"/>
+              </a:spcBef>
+              <a:buClr>
+                <a:schemeClr val="accent2"/>
+              </a:buClr>
+              <a:buFont typeface="Wingdings" panose="05000000000000000000" pitchFamily="2" charset="2"/>
+              <a:buChar char="Ø"/>
+            </a:pPr>
+            <a:r>
+              <a:rPr lang="en-US" sz="1100" i="1" dirty="0">
+                <a:solidFill>
+                  <a:schemeClr val="bg1"/>
+                </a:solidFill>
+              </a:rPr>
+              <a:t>States</a:t>
+            </a:r>
+            <a:r>
+              <a:rPr lang="en-US" sz="1100" dirty="0">
+                <a:solidFill>
+                  <a:schemeClr val="bg1"/>
+                </a:solidFill>
+              </a:rPr>
+              <a:t> are all the states in </a:t>
+            </a:r>
+            <a:r>
+              <a:rPr lang="en-US" sz="1100" i="1" dirty="0">
+                <a:solidFill>
+                  <a:schemeClr val="bg1"/>
+                </a:solidFill>
+              </a:rPr>
+              <a:t>A</a:t>
+            </a:r>
+            <a:r>
+              <a:rPr lang="en-US" sz="1100" dirty="0">
+                <a:solidFill>
+                  <a:schemeClr val="bg1"/>
+                </a:solidFill>
+              </a:rPr>
+              <a:t>.</a:t>
+            </a:r>
+          </a:p>
+          <a:p>
+            <a:pPr indent="-228600" defTabSz="914400">
+              <a:lnSpc>
+                <a:spcPct val="90000"/>
+              </a:lnSpc>
+              <a:spcBef>
+                <a:spcPts val="1000"/>
+              </a:spcBef>
+              <a:buClr>
+                <a:schemeClr val="accent2"/>
+              </a:buClr>
+              <a:buFont typeface="Wingdings" panose="05000000000000000000" pitchFamily="2" charset="2"/>
+              <a:buChar char="Ø"/>
+            </a:pPr>
+            <a:r>
+              <a:rPr lang="en-US" sz="1100" i="1" dirty="0" err="1">
+                <a:solidFill>
+                  <a:schemeClr val="bg1"/>
+                </a:solidFill>
+              </a:rPr>
+              <a:t>stateToKey</a:t>
+            </a:r>
+            <a:r>
+              <a:rPr lang="en-US" sz="1100" dirty="0">
+                <a:solidFill>
+                  <a:schemeClr val="bg1"/>
+                </a:solidFill>
+              </a:rPr>
+              <a:t> is a dictionary mapping the state representations of the transition function to their respective key representations.</a:t>
+            </a:r>
+          </a:p>
+          <a:p>
+            <a:pPr indent="-228600" defTabSz="914400">
+              <a:lnSpc>
+                <a:spcPct val="90000"/>
+              </a:lnSpc>
+              <a:spcBef>
+                <a:spcPts val="1000"/>
+              </a:spcBef>
+              <a:buClr>
+                <a:schemeClr val="accent2"/>
+              </a:buClr>
+              <a:buFont typeface="Wingdings" panose="05000000000000000000" pitchFamily="2" charset="2"/>
+              <a:buChar char="Ø"/>
+            </a:pPr>
+            <a:r>
+              <a:rPr lang="en-US" sz="1100" i="1" dirty="0" err="1">
+                <a:solidFill>
+                  <a:schemeClr val="bg1"/>
+                </a:solidFill>
+              </a:rPr>
+              <a:t>keyToState</a:t>
+            </a:r>
+            <a:r>
+              <a:rPr lang="en-US" sz="1100" dirty="0">
+                <a:solidFill>
+                  <a:schemeClr val="bg1"/>
+                </a:solidFill>
+              </a:rPr>
+              <a:t> is a dictionary mapping the key representations of the transition function to their respective state representations.</a:t>
+            </a:r>
+            <a:endParaRPr lang="en-US" sz="1100" i="1" dirty="0">
+              <a:solidFill>
+                <a:schemeClr val="bg1"/>
+              </a:solidFill>
+            </a:endParaRPr>
+          </a:p>
+          <a:p>
+            <a:pPr indent="-228600" defTabSz="914400">
+              <a:lnSpc>
+                <a:spcPct val="90000"/>
+              </a:lnSpc>
+              <a:spcBef>
+                <a:spcPts val="1000"/>
+              </a:spcBef>
+              <a:buClr>
+                <a:schemeClr val="accent2"/>
+              </a:buClr>
+              <a:buFont typeface="Arial" panose="020B0604020202020204" pitchFamily="34" charset="0"/>
+              <a:buChar char="•"/>
+            </a:pPr>
+            <a:endParaRPr lang="en-US" sz="1100" dirty="0">
+              <a:solidFill>
+                <a:schemeClr val="bg1"/>
+              </a:solidFill>
+            </a:endParaRPr>
+          </a:p>
+          <a:p>
+            <a:pPr defTabSz="914400">
+              <a:lnSpc>
+                <a:spcPct val="90000"/>
+              </a:lnSpc>
+              <a:spcBef>
+                <a:spcPts val="1000"/>
+              </a:spcBef>
+              <a:buClr>
+                <a:schemeClr val="accent2"/>
+              </a:buClr>
+            </a:pPr>
+            <a:r>
+              <a:rPr lang="en-US" sz="1100" dirty="0">
+                <a:solidFill>
+                  <a:schemeClr val="bg1"/>
+                </a:solidFill>
+              </a:rPr>
+              <a:t>This algorithm computes the </a:t>
+            </a:r>
+            <a:r>
+              <a:rPr lang="en-US" sz="1100" i="1" dirty="0" err="1">
+                <a:solidFill>
+                  <a:schemeClr val="bg1"/>
+                </a:solidFill>
+              </a:rPr>
+              <a:t>m</a:t>
+            </a:r>
+            <a:r>
+              <a:rPr lang="en-US" sz="1100" dirty="0" err="1">
+                <a:solidFill>
+                  <a:schemeClr val="bg1"/>
+                </a:solidFill>
+              </a:rPr>
+              <a:t>th</a:t>
+            </a:r>
+            <a:r>
+              <a:rPr lang="en-US" sz="1100" dirty="0">
+                <a:solidFill>
+                  <a:schemeClr val="bg1"/>
+                </a:solidFill>
+              </a:rPr>
+              <a:t> power set of the automaton along with dictionaries mapping the state and key representations of the transition function.   </a:t>
+            </a:r>
+          </a:p>
+        </p:txBody>
+      </p:sp>
+      <p:pic>
+        <p:nvPicPr>
+          <p:cNvPr id="6" name="Content Placeholder 5" descr="Text&#10;&#10;Description automatically generated">
+            <a:extLst>
+              <a:ext uri="{FF2B5EF4-FFF2-40B4-BE49-F238E27FC236}">
+                <a16:creationId xmlns:a16="http://schemas.microsoft.com/office/drawing/2014/main" id="{9D2E593B-DB4C-4A2B-8E0C-E05670C1F14A}"/>
+              </a:ext>
+            </a:extLst>
+          </p:cNvPr>
+          <p:cNvPicPr>
+            <a:picLocks noGrp="1" noChangeAspect="1"/>
+          </p:cNvPicPr>
+          <p:nvPr>
+            <p:ph idx="1"/>
+          </p:nvPr>
+        </p:nvPicPr>
+        <p:blipFill>
+          <a:blip r:embed="rId3">
+            <a:extLst>
+              <a:ext uri="{28A0092B-C50C-407E-A947-70E740481C1C}">
+                <a14:useLocalDpi xmlns:a14="http://schemas.microsoft.com/office/drawing/2010/main" val="0"/>
+              </a:ext>
+            </a:extLst>
+          </a:blip>
+          <a:stretch/>
+        </p:blipFill>
+        <p:spPr>
+          <a:xfrm>
+            <a:off x="5297763" y="1387388"/>
+            <a:ext cx="6250769" cy="3922357"/>
+          </a:xfrm>
+          <a:prstGeom prst="rect">
+            <a:avLst/>
+          </a:prstGeom>
+        </p:spPr>
+      </p:pic>
+    </p:spTree>
+    <p:extLst>
+      <p:ext uri="{BB962C8B-B14F-4D97-AF65-F5344CB8AC3E}">
+        <p14:creationId xmlns:p14="http://schemas.microsoft.com/office/powerpoint/2010/main" val="3318636111"/>
+      </p:ext>
+    </p:extLst>
+  </p:cSld>
+  <p:clrMapOvr>
+    <a:masterClrMapping/>
+  </p:clrMapOvr>
+</p:sld>
+</file>
+
+<file path=ppt/slides/slide18.xml><?xml version="1.0" encoding="utf-8"?>
+<p:sld xmlns:a="http://schemas.openxmlformats.org/drawingml/2006/main" xmlns:r="http://schemas.openxmlformats.org/officeDocument/2006/relationships" xmlns:p="http://schemas.openxmlformats.org/presentationml/2006/main">
+  <p:cSld>
     <p:spTree>
       <p:nvGrpSpPr>
         <p:cNvPr id="1" name=""/>
@@ -23290,7 +24061,7 @@
 </p:sld>
 </file>
 
-<file path=ppt/slides/slide18.xml><?xml version="1.0" encoding="utf-8"?>
+<file path=ppt/slides/slide19.xml><?xml version="1.0" encoding="utf-8"?>
 <p:sld xmlns:a="http://schemas.openxmlformats.org/drawingml/2006/main" xmlns:r="http://schemas.openxmlformats.org/officeDocument/2006/relationships" xmlns:p="http://schemas.openxmlformats.org/presentationml/2006/main">
   <p:cSld>
     <p:bg>
@@ -23543,8 +24314,8 @@
           </a:p>
         </p:txBody>
       </p:sp>
-      <mc:AlternateContent xmlns:mc="http://schemas.openxmlformats.org/markup-compatibility/2006">
-        <mc:Choice xmlns:a14="http://schemas.microsoft.com/office/drawing/2010/main" Requires="a14">
+      <mc:AlternateContent xmlns:mc="http://schemas.openxmlformats.org/markup-compatibility/2006" xmlns:a14="http://schemas.microsoft.com/office/drawing/2010/main">
+        <mc:Choice Requires="a14">
           <p:sp>
             <p:nvSpPr>
               <p:cNvPr id="3" name="Content Placeholder 2">
@@ -24102,7 +24873,7 @@
             </p:txBody>
           </p:sp>
         </mc:Choice>
-        <mc:Fallback>
+        <mc:Fallback xmlns="">
           <p:sp>
             <p:nvSpPr>
               <p:cNvPr id="3" name="Content Placeholder 2">
@@ -24302,7 +25073,93 @@
 </p:sld>
 </file>
 
-<file path=ppt/slides/slide19.xml><?xml version="1.0" encoding="utf-8"?>
+<file path=ppt/slides/slide2.xml><?xml version="1.0" encoding="utf-8"?>
+<p:sld xmlns:a="http://schemas.openxmlformats.org/drawingml/2006/main" xmlns:r="http://schemas.openxmlformats.org/officeDocument/2006/relationships" xmlns:p="http://schemas.openxmlformats.org/presentationml/2006/main">
+  <p:cSld>
+    <p:spTree>
+      <p:nvGrpSpPr>
+        <p:cNvPr id="1" name=""/>
+        <p:cNvGrpSpPr/>
+        <p:nvPr/>
+      </p:nvGrpSpPr>
+      <p:grpSpPr>
+        <a:xfrm>
+          <a:off x="0" y="0"/>
+          <a:ext cx="0" cy="0"/>
+          <a:chOff x="0" y="0"/>
+          <a:chExt cx="0" cy="0"/>
+        </a:xfrm>
+      </p:grpSpPr>
+      <p:sp>
+        <p:nvSpPr>
+          <p:cNvPr id="4" name="Title 3">
+            <a:extLst>
+              <a:ext uri="{FF2B5EF4-FFF2-40B4-BE49-F238E27FC236}">
+                <a16:creationId xmlns:a16="http://schemas.microsoft.com/office/drawing/2014/main" id="{914DE62F-A385-400E-BBFA-F389E8DF6F64}"/>
+              </a:ext>
+            </a:extLst>
+          </p:cNvPr>
+          <p:cNvSpPr>
+            <a:spLocks noGrp="1"/>
+          </p:cNvSpPr>
+          <p:nvPr>
+            <p:ph type="title"/>
+          </p:nvPr>
+        </p:nvSpPr>
+        <p:spPr/>
+        <p:txBody>
+          <a:bodyPr/>
+          <a:lstStyle/>
+          <a:p>
+            <a:r>
+              <a:rPr lang="en-US" dirty="0"/>
+              <a:t>Refresher</a:t>
+            </a:r>
+          </a:p>
+        </p:txBody>
+      </p:sp>
+      <p:sp>
+        <p:nvSpPr>
+          <p:cNvPr id="5" name="Text Placeholder 4">
+            <a:extLst>
+              <a:ext uri="{FF2B5EF4-FFF2-40B4-BE49-F238E27FC236}">
+                <a16:creationId xmlns:a16="http://schemas.microsoft.com/office/drawing/2014/main" id="{1C8D6C33-9C9C-40EB-BC4E-070344005A59}"/>
+              </a:ext>
+            </a:extLst>
+          </p:cNvPr>
+          <p:cNvSpPr>
+            <a:spLocks noGrp="1"/>
+          </p:cNvSpPr>
+          <p:nvPr>
+            <p:ph type="body" idx="1"/>
+          </p:nvPr>
+        </p:nvSpPr>
+        <p:spPr/>
+        <p:txBody>
+          <a:bodyPr/>
+          <a:lstStyle/>
+          <a:p>
+            <a:r>
+              <a:rPr lang="en-US" dirty="0"/>
+              <a:t>A quick refresher on what automata are</a:t>
+            </a:r>
+          </a:p>
+        </p:txBody>
+      </p:sp>
+    </p:spTree>
+    <p:extLst>
+      <p:ext uri="{BB962C8B-B14F-4D97-AF65-F5344CB8AC3E}">
+        <p14:creationId xmlns:p14="http://schemas.microsoft.com/office/powerpoint/2010/main" val="1635053864"/>
+      </p:ext>
+    </p:extLst>
+  </p:cSld>
+  <p:clrMapOvr>
+    <a:masterClrMapping/>
+  </p:clrMapOvr>
+</p:sld>
+</file>
+
+<file path=ppt/slides/slide20.xml><?xml version="1.0" encoding="utf-8"?>
 <p:sld xmlns:a="http://schemas.openxmlformats.org/drawingml/2006/main" xmlns:r="http://schemas.openxmlformats.org/officeDocument/2006/relationships" xmlns:p="http://schemas.openxmlformats.org/presentationml/2006/main">
   <p:cSld>
     <p:bg>
@@ -24555,8 +25412,8 @@
           </a:p>
         </p:txBody>
       </p:sp>
-      <mc:AlternateContent xmlns:mc="http://schemas.openxmlformats.org/markup-compatibility/2006">
-        <mc:Choice xmlns:a14="http://schemas.microsoft.com/office/drawing/2010/main" Requires="a14">
+      <mc:AlternateContent xmlns:mc="http://schemas.openxmlformats.org/markup-compatibility/2006" xmlns:a14="http://schemas.microsoft.com/office/drawing/2010/main">
+        <mc:Choice Requires="a14">
           <p:sp>
             <p:nvSpPr>
               <p:cNvPr id="3" name="Content Placeholder 2">
@@ -24982,7 +25839,7 @@
             </p:txBody>
           </p:sp>
         </mc:Choice>
-        <mc:Fallback>
+        <mc:Fallback xmlns="">
           <p:sp>
             <p:nvSpPr>
               <p:cNvPr id="3" name="Content Placeholder 2">
@@ -25026,8 +25883,8 @@
           </p:sp>
         </mc:Fallback>
       </mc:AlternateContent>
-      <mc:AlternateContent xmlns:mc="http://schemas.openxmlformats.org/markup-compatibility/2006">
-        <mc:Choice xmlns:a14="http://schemas.microsoft.com/office/drawing/2010/main" Requires="a14">
+      <mc:AlternateContent xmlns:mc="http://schemas.openxmlformats.org/markup-compatibility/2006" xmlns:a14="http://schemas.microsoft.com/office/drawing/2010/main">
+        <mc:Choice Requires="a14">
           <p:sp>
             <p:nvSpPr>
               <p:cNvPr id="4" name="TextBox 3">
@@ -25454,7 +26311,7 @@
             </p:txBody>
           </p:sp>
         </mc:Choice>
-        <mc:Fallback>
+        <mc:Fallback xmlns="">
           <p:sp>
             <p:nvSpPr>
               <p:cNvPr id="4" name="TextBox 3">
@@ -25512,93 +26369,7 @@
 </p:sld>
 </file>
 
-<file path=ppt/slides/slide2.xml><?xml version="1.0" encoding="utf-8"?>
-<p:sld xmlns:a="http://schemas.openxmlformats.org/drawingml/2006/main" xmlns:r="http://schemas.openxmlformats.org/officeDocument/2006/relationships" xmlns:p="http://schemas.openxmlformats.org/presentationml/2006/main">
-  <p:cSld>
-    <p:spTree>
-      <p:nvGrpSpPr>
-        <p:cNvPr id="1" name=""/>
-        <p:cNvGrpSpPr/>
-        <p:nvPr/>
-      </p:nvGrpSpPr>
-      <p:grpSpPr>
-        <a:xfrm>
-          <a:off x="0" y="0"/>
-          <a:ext cx="0" cy="0"/>
-          <a:chOff x="0" y="0"/>
-          <a:chExt cx="0" cy="0"/>
-        </a:xfrm>
-      </p:grpSpPr>
-      <p:sp>
-        <p:nvSpPr>
-          <p:cNvPr id="4" name="Title 3">
-            <a:extLst>
-              <a:ext uri="{FF2B5EF4-FFF2-40B4-BE49-F238E27FC236}">
-                <a16:creationId xmlns:a16="http://schemas.microsoft.com/office/drawing/2014/main" id="{914DE62F-A385-400E-BBFA-F389E8DF6F64}"/>
-              </a:ext>
-            </a:extLst>
-          </p:cNvPr>
-          <p:cNvSpPr>
-            <a:spLocks noGrp="1"/>
-          </p:cNvSpPr>
-          <p:nvPr>
-            <p:ph type="title"/>
-          </p:nvPr>
-        </p:nvSpPr>
-        <p:spPr/>
-        <p:txBody>
-          <a:bodyPr/>
-          <a:lstStyle/>
-          <a:p>
-            <a:r>
-              <a:rPr lang="en-US" dirty="0"/>
-              <a:t>Refresher</a:t>
-            </a:r>
-          </a:p>
-        </p:txBody>
-      </p:sp>
-      <p:sp>
-        <p:nvSpPr>
-          <p:cNvPr id="5" name="Text Placeholder 4">
-            <a:extLst>
-              <a:ext uri="{FF2B5EF4-FFF2-40B4-BE49-F238E27FC236}">
-                <a16:creationId xmlns:a16="http://schemas.microsoft.com/office/drawing/2014/main" id="{1C8D6C33-9C9C-40EB-BC4E-070344005A59}"/>
-              </a:ext>
-            </a:extLst>
-          </p:cNvPr>
-          <p:cNvSpPr>
-            <a:spLocks noGrp="1"/>
-          </p:cNvSpPr>
-          <p:nvPr>
-            <p:ph type="body" idx="1"/>
-          </p:nvPr>
-        </p:nvSpPr>
-        <p:spPr/>
-        <p:txBody>
-          <a:bodyPr/>
-          <a:lstStyle/>
-          <a:p>
-            <a:r>
-              <a:rPr lang="en-US" dirty="0"/>
-              <a:t>A quick refresher on what automata are</a:t>
-            </a:r>
-          </a:p>
-        </p:txBody>
-      </p:sp>
-    </p:spTree>
-    <p:extLst>
-      <p:ext uri="{BB962C8B-B14F-4D97-AF65-F5344CB8AC3E}">
-        <p14:creationId xmlns:p14="http://schemas.microsoft.com/office/powerpoint/2010/main" val="1635053864"/>
-      </p:ext>
-    </p:extLst>
-  </p:cSld>
-  <p:clrMapOvr>
-    <a:masterClrMapping/>
-  </p:clrMapOvr>
-</p:sld>
-</file>
-
-<file path=ppt/slides/slide20.xml><?xml version="1.0" encoding="utf-8"?>
+<file path=ppt/slides/slide21.xml><?xml version="1.0" encoding="utf-8"?>
 <p:sld xmlns:a="http://schemas.openxmlformats.org/drawingml/2006/main" xmlns:r="http://schemas.openxmlformats.org/officeDocument/2006/relationships" xmlns:p="http://schemas.openxmlformats.org/presentationml/2006/main">
   <p:cSld>
     <p:bg>
@@ -25851,8 +26622,8 @@
           </a:p>
         </p:txBody>
       </p:sp>
-      <mc:AlternateContent xmlns:mc="http://schemas.openxmlformats.org/markup-compatibility/2006">
-        <mc:Choice xmlns:a14="http://schemas.microsoft.com/office/drawing/2010/main" Requires="a14">
+      <mc:AlternateContent xmlns:mc="http://schemas.openxmlformats.org/markup-compatibility/2006" xmlns:a14="http://schemas.microsoft.com/office/drawing/2010/main">
+        <mc:Choice Requires="a14">
           <p:sp>
             <p:nvSpPr>
               <p:cNvPr id="3" name="Content Placeholder 2">
@@ -26254,7 +27025,7 @@
             </p:txBody>
           </p:sp>
         </mc:Choice>
-        <mc:Fallback>
+        <mc:Fallback xmlns="">
           <p:sp>
             <p:nvSpPr>
               <p:cNvPr id="3" name="Content Placeholder 2">
@@ -26545,7 +27316,7 @@
 </p:sld>
 </file>
 
-<file path=ppt/slides/slide21.xml><?xml version="1.0" encoding="utf-8"?>
+<file path=ppt/slides/slide22.xml><?xml version="1.0" encoding="utf-8"?>
 <p:sld xmlns:a="http://schemas.openxmlformats.org/drawingml/2006/main" xmlns:r="http://schemas.openxmlformats.org/officeDocument/2006/relationships" xmlns:p="http://schemas.openxmlformats.org/presentationml/2006/main">
   <p:cSld>
     <p:bg>
@@ -26798,8 +27569,8 @@
           </a:p>
         </p:txBody>
       </p:sp>
-      <mc:AlternateContent xmlns:mc="http://schemas.openxmlformats.org/markup-compatibility/2006">
-        <mc:Choice xmlns:a14="http://schemas.microsoft.com/office/drawing/2010/main" Requires="a14">
+      <mc:AlternateContent xmlns:mc="http://schemas.openxmlformats.org/markup-compatibility/2006" xmlns:a14="http://schemas.microsoft.com/office/drawing/2010/main">
+        <mc:Choice Requires="a14">
           <p:sp>
             <p:nvSpPr>
               <p:cNvPr id="3" name="Content Placeholder 2">
@@ -27287,7 +28058,7 @@
             </p:txBody>
           </p:sp>
         </mc:Choice>
-        <mc:Fallback>
+        <mc:Fallback xmlns="">
           <p:sp>
             <p:nvSpPr>
               <p:cNvPr id="3" name="Content Placeholder 2">
@@ -27538,7 +28309,7 @@
 </p:sld>
 </file>
 
-<file path=ppt/slides/slide22.xml><?xml version="1.0" encoding="utf-8"?>
+<file path=ppt/slides/slide23.xml><?xml version="1.0" encoding="utf-8"?>
 <p:sld xmlns:a="http://schemas.openxmlformats.org/drawingml/2006/main" xmlns:r="http://schemas.openxmlformats.org/officeDocument/2006/relationships" xmlns:p="http://schemas.openxmlformats.org/presentationml/2006/main">
   <p:cSld>
     <p:spTree>
@@ -27624,7 +28395,7 @@
 </p:sld>
 </file>
 
-<file path=ppt/slides/slide23.xml><?xml version="1.0" encoding="utf-8"?>
+<file path=ppt/slides/slide24.xml><?xml version="1.0" encoding="utf-8"?>
 <p:sld xmlns:a="http://schemas.openxmlformats.org/drawingml/2006/main" xmlns:r="http://schemas.openxmlformats.org/officeDocument/2006/relationships" xmlns:p="http://schemas.openxmlformats.org/presentationml/2006/main">
   <p:cSld>
     <p:spTree>
@@ -27685,7 +28456,7 @@
             <p:ph idx="1"/>
             <p:extLst>
               <p:ext uri="{D42A27DB-BD31-4B8C-83A1-F6EECF244321}">
-                <p14:modId xmlns:p14="http://schemas.microsoft.com/office/powerpoint/2010/main" val="4277354022"/>
+                <p14:modId xmlns:p14="http://schemas.microsoft.com/office/powerpoint/2010/main" val="3318899691"/>
               </p:ext>
             </p:extLst>
           </p:nvPr>
@@ -27696,7 +28467,7 @@
         </p:xfrm>
         <a:graphic>
           <a:graphicData uri="http://schemas.openxmlformats.org/drawingml/2006/diagram">
-            <dgm:relIds xmlns:dgm="http://schemas.openxmlformats.org/drawingml/2006/diagram" xmlns:r="http://schemas.openxmlformats.org/officeDocument/2006/relationships" r:dm="rId2" r:lo="rId3" r:qs="rId4" r:cs="rId5"/>
+            <dgm:relIds xmlns:dgm="http://schemas.openxmlformats.org/drawingml/2006/diagram" xmlns:r="http://schemas.openxmlformats.org/officeDocument/2006/relationships" r:dm="rId3" r:lo="rId4" r:qs="rId5" r:cs="rId6"/>
           </a:graphicData>
         </a:graphic>
       </p:graphicFrame>
@@ -27713,7 +28484,614 @@
 </p:sld>
 </file>
 
-<file path=ppt/slides/slide24.xml><?xml version="1.0" encoding="utf-8"?>
+<file path=ppt/slides/slide25.xml><?xml version="1.0" encoding="utf-8"?>
+<p:sld xmlns:a="http://schemas.openxmlformats.org/drawingml/2006/main" xmlns:r="http://schemas.openxmlformats.org/officeDocument/2006/relationships" xmlns:p="http://schemas.openxmlformats.org/presentationml/2006/main">
+  <p:cSld>
+    <p:bg>
+      <p:bgPr>
+        <a:solidFill>
+          <a:schemeClr val="bg1">
+            <a:lumMod val="95000"/>
+          </a:schemeClr>
+        </a:solidFill>
+        <a:effectLst/>
+      </p:bgPr>
+    </p:bg>
+    <p:spTree>
+      <p:nvGrpSpPr>
+        <p:cNvPr id="1" name=""/>
+        <p:cNvGrpSpPr/>
+        <p:nvPr/>
+      </p:nvGrpSpPr>
+      <p:grpSpPr>
+        <a:xfrm>
+          <a:off x="0" y="0"/>
+          <a:ext cx="0" cy="0"/>
+          <a:chOff x="0" y="0"/>
+          <a:chExt cx="0" cy="0"/>
+        </a:xfrm>
+      </p:grpSpPr>
+      <p:sp>
+        <p:nvSpPr>
+          <p:cNvPr id="2" name="Title 1">
+            <a:extLst>
+              <a:ext uri="{FF2B5EF4-FFF2-40B4-BE49-F238E27FC236}">
+                <a16:creationId xmlns:a16="http://schemas.microsoft.com/office/drawing/2014/main" id="{6E83B076-7799-4F3F-A052-DA18C508F7CE}"/>
+              </a:ext>
+            </a:extLst>
+          </p:cNvPr>
+          <p:cNvSpPr>
+            <a:spLocks noGrp="1"/>
+          </p:cNvSpPr>
+          <p:nvPr>
+            <p:ph type="title"/>
+          </p:nvPr>
+        </p:nvSpPr>
+        <p:spPr>
+          <a:xfrm>
+            <a:off x="8312677" y="964692"/>
+            <a:ext cx="3066937" cy="1188720"/>
+          </a:xfrm>
+        </p:spPr>
+        <p:txBody>
+          <a:bodyPr>
+            <a:normAutofit/>
+          </a:bodyPr>
+          <a:lstStyle/>
+          <a:p>
+            <a:r>
+              <a:rPr lang="en-US" sz="2600"/>
+              <a:t>Optimization</a:t>
+            </a:r>
+          </a:p>
+        </p:txBody>
+      </p:sp>
+      <p:sp>
+        <p:nvSpPr>
+          <p:cNvPr id="12" name="Rectangle 11">
+            <a:extLst>
+              <a:ext uri="{FF2B5EF4-FFF2-40B4-BE49-F238E27FC236}">
+                <a16:creationId xmlns:a16="http://schemas.microsoft.com/office/drawing/2014/main" id="{A99FE660-E3DF-47E7-962D-66C6F6CE0D81}"/>
+              </a:ext>
+              <a:ext uri="{C183D7F6-B498-43B3-948B-1728B52AA6E4}">
+                <adec:decorative xmlns:adec="http://schemas.microsoft.com/office/drawing/2017/decorative" val="1"/>
+              </a:ext>
+            </a:extLst>
+          </p:cNvPr>
+          <p:cNvSpPr>
+            <a:spLocks noGrp="1" noRot="1" noChangeAspect="1" noMove="1" noResize="1" noEditPoints="1" noAdjustHandles="1" noChangeArrowheads="1" noChangeShapeType="1" noTextEdit="1"/>
+          </p:cNvSpPr>
+          <p:nvPr>
+            <p:extLst>
+              <p:ext uri="{386F3935-93C4-4BCD-93E2-E3B085C9AB24}">
+                <p16:designElem xmlns:p16="http://schemas.microsoft.com/office/powerpoint/2015/main" val="1"/>
+              </p:ext>
+            </p:extLst>
+          </p:nvPr>
+        </p:nvSpPr>
+        <p:spPr>
+          <a:xfrm>
+            <a:off x="814795" y="964692"/>
+            <a:ext cx="6885432" cy="4936558"/>
+          </a:xfrm>
+          <a:prstGeom prst="rect">
+            <a:avLst/>
+          </a:prstGeom>
+          <a:noFill/>
+          <a:ln w="31750" cap="sq">
+            <a:solidFill>
+              <a:srgbClr val="FFFFFF"/>
+            </a:solidFill>
+            <a:miter lim="800000"/>
+          </a:ln>
+        </p:spPr>
+        <p:style>
+          <a:lnRef idx="2">
+            <a:schemeClr val="accent1">
+              <a:shade val="50000"/>
+            </a:schemeClr>
+          </a:lnRef>
+          <a:fillRef idx="1">
+            <a:schemeClr val="accent1"/>
+          </a:fillRef>
+          <a:effectRef idx="0">
+            <a:schemeClr val="accent1"/>
+          </a:effectRef>
+          <a:fontRef idx="minor">
+            <a:schemeClr val="lt1"/>
+          </a:fontRef>
+        </p:style>
+        <p:txBody>
+          <a:bodyPr rtlCol="0" anchor="ctr"/>
+          <a:lstStyle/>
+          <a:p>
+            <a:pPr algn="ctr"/>
+            <a:endParaRPr lang="en-US" dirty="0"/>
+          </a:p>
+        </p:txBody>
+      </p:sp>
+      <p:sp>
+        <p:nvSpPr>
+          <p:cNvPr id="14" name="Rectangle 13">
+            <a:extLst>
+              <a:ext uri="{FF2B5EF4-FFF2-40B4-BE49-F238E27FC236}">
+                <a16:creationId xmlns:a16="http://schemas.microsoft.com/office/drawing/2014/main" id="{38C29FEE-8E8F-43D5-AD23-EB4060B4D943}"/>
+              </a:ext>
+              <a:ext uri="{C183D7F6-B498-43B3-948B-1728B52AA6E4}">
+                <adec:decorative xmlns:adec="http://schemas.microsoft.com/office/drawing/2017/decorative" val="1"/>
+              </a:ext>
+            </a:extLst>
+          </p:cNvPr>
+          <p:cNvSpPr>
+            <a:spLocks noGrp="1" noRot="1" noChangeAspect="1" noMove="1" noResize="1" noEditPoints="1" noAdjustHandles="1" noChangeArrowheads="1" noChangeShapeType="1" noTextEdit="1"/>
+          </p:cNvSpPr>
+          <p:nvPr>
+            <p:extLst>
+              <p:ext uri="{386F3935-93C4-4BCD-93E2-E3B085C9AB24}">
+                <p16:designElem xmlns:p16="http://schemas.microsoft.com/office/powerpoint/2015/main" val="1"/>
+              </p:ext>
+            </p:extLst>
+          </p:nvPr>
+        </p:nvSpPr>
+        <p:spPr>
+          <a:xfrm>
+            <a:off x="978415" y="1128683"/>
+            <a:ext cx="6558192" cy="4608576"/>
+          </a:xfrm>
+          <a:prstGeom prst="rect">
+            <a:avLst/>
+          </a:prstGeom>
+          <a:solidFill>
+            <a:srgbClr val="FFFFFF"/>
+          </a:solidFill>
+          <a:ln>
+            <a:noFill/>
+          </a:ln>
+        </p:spPr>
+        <p:style>
+          <a:lnRef idx="2">
+            <a:schemeClr val="accent1">
+              <a:shade val="50000"/>
+            </a:schemeClr>
+          </a:lnRef>
+          <a:fillRef idx="1">
+            <a:schemeClr val="accent1"/>
+          </a:fillRef>
+          <a:effectRef idx="0">
+            <a:schemeClr val="accent1"/>
+          </a:effectRef>
+          <a:fontRef idx="minor">
+            <a:schemeClr val="lt1"/>
+          </a:fontRef>
+        </p:style>
+        <p:txBody>
+          <a:bodyPr rtlCol="0" anchor="ctr"/>
+          <a:lstStyle/>
+          <a:p>
+            <a:pPr algn="ctr"/>
+            <a:endParaRPr lang="en-US"/>
+          </a:p>
+        </p:txBody>
+      </p:sp>
+      <p:pic>
+        <p:nvPicPr>
+          <p:cNvPr id="5" name="Content Placeholder 4" descr="Chart, line chart&#10;&#10;Description automatically generated">
+            <a:extLst>
+              <a:ext uri="{FF2B5EF4-FFF2-40B4-BE49-F238E27FC236}">
+                <a16:creationId xmlns:a16="http://schemas.microsoft.com/office/drawing/2014/main" id="{FF77BCFF-47B4-48FC-998E-884F5F5BCFA4}"/>
+              </a:ext>
+            </a:extLst>
+          </p:cNvPr>
+          <p:cNvPicPr>
+            <a:picLocks noChangeAspect="1"/>
+          </p:cNvPicPr>
+          <p:nvPr/>
+        </p:nvPicPr>
+        <p:blipFill>
+          <a:blip r:embed="rId2">
+            <a:extLst>
+              <a:ext uri="{28A0092B-C50C-407E-A947-70E740481C1C}">
+                <a14:useLocalDpi xmlns:a14="http://schemas.microsoft.com/office/drawing/2010/main" val="0"/>
+              </a:ext>
+            </a:extLst>
+          </a:blip>
+          <a:stretch>
+            <a:fillRect/>
+          </a:stretch>
+        </p:blipFill>
+        <p:spPr>
+          <a:xfrm>
+            <a:off x="1143979" y="1572634"/>
+            <a:ext cx="6227064" cy="3720673"/>
+          </a:xfrm>
+          <a:prstGeom prst="rect">
+            <a:avLst/>
+          </a:prstGeom>
+        </p:spPr>
+      </p:pic>
+      <p:sp>
+        <p:nvSpPr>
+          <p:cNvPr id="9" name="Content Placeholder 8">
+            <a:extLst>
+              <a:ext uri="{FF2B5EF4-FFF2-40B4-BE49-F238E27FC236}">
+                <a16:creationId xmlns:a16="http://schemas.microsoft.com/office/drawing/2014/main" id="{C7354BAE-3AF3-455B-AFFA-F8272E4B1F31}"/>
+              </a:ext>
+            </a:extLst>
+          </p:cNvPr>
+          <p:cNvSpPr>
+            <a:spLocks noGrp="1"/>
+          </p:cNvSpPr>
+          <p:nvPr>
+            <p:ph idx="1"/>
+          </p:nvPr>
+        </p:nvSpPr>
+        <p:spPr>
+          <a:xfrm>
+            <a:off x="8311249" y="2638044"/>
+            <a:ext cx="3063765" cy="3263206"/>
+          </a:xfrm>
+        </p:spPr>
+        <p:txBody>
+          <a:bodyPr>
+            <a:normAutofit/>
+          </a:bodyPr>
+          <a:lstStyle/>
+          <a:p>
+            <a:pPr marL="0" indent="0">
+              <a:buNone/>
+            </a:pPr>
+            <a:r>
+              <a:rPr lang="en-US" dirty="0"/>
+              <a:t>Due to poor performance in the initial OOP refactoring, I implemented multithreading and received tremendous performance improvements.</a:t>
+            </a:r>
+          </a:p>
+          <a:p>
+            <a:pPr marL="0" indent="0">
+              <a:buNone/>
+            </a:pPr>
+            <a:endParaRPr lang="en-US" dirty="0"/>
+          </a:p>
+          <a:p>
+            <a:pPr marL="0" indent="0">
+              <a:buNone/>
+            </a:pPr>
+            <a:r>
+              <a:rPr lang="en-US" dirty="0"/>
+              <a:t>MT is the multithreaded performance</a:t>
+            </a:r>
+          </a:p>
+          <a:p>
+            <a:pPr marL="0" indent="0">
+              <a:buNone/>
+            </a:pPr>
+            <a:r>
+              <a:rPr lang="en-US" dirty="0"/>
+              <a:t>ST is the </a:t>
+            </a:r>
+            <a:r>
+              <a:rPr lang="en-US" dirty="0" err="1"/>
+              <a:t>singlethreaded</a:t>
+            </a:r>
+            <a:r>
+              <a:rPr lang="en-US" dirty="0"/>
+              <a:t> performance</a:t>
+            </a:r>
+          </a:p>
+        </p:txBody>
+      </p:sp>
+    </p:spTree>
+    <p:extLst>
+      <p:ext uri="{BB962C8B-B14F-4D97-AF65-F5344CB8AC3E}">
+        <p14:creationId xmlns:p14="http://schemas.microsoft.com/office/powerpoint/2010/main" val="3159293099"/>
+      </p:ext>
+    </p:extLst>
+  </p:cSld>
+  <p:clrMapOvr>
+    <a:masterClrMapping/>
+  </p:clrMapOvr>
+</p:sld>
+</file>
+
+<file path=ppt/slides/slide26.xml><?xml version="1.0" encoding="utf-8"?>
+<p:sld xmlns:a="http://schemas.openxmlformats.org/drawingml/2006/main" xmlns:r="http://schemas.openxmlformats.org/officeDocument/2006/relationships" xmlns:p="http://schemas.openxmlformats.org/presentationml/2006/main">
+  <p:cSld>
+    <p:bg>
+      <p:bgPr>
+        <a:solidFill>
+          <a:schemeClr val="bg1">
+            <a:lumMod val="95000"/>
+          </a:schemeClr>
+        </a:solidFill>
+        <a:effectLst/>
+      </p:bgPr>
+    </p:bg>
+    <p:spTree>
+      <p:nvGrpSpPr>
+        <p:cNvPr id="1" name=""/>
+        <p:cNvGrpSpPr/>
+        <p:nvPr/>
+      </p:nvGrpSpPr>
+      <p:grpSpPr>
+        <a:xfrm>
+          <a:off x="0" y="0"/>
+          <a:ext cx="0" cy="0"/>
+          <a:chOff x="0" y="0"/>
+          <a:chExt cx="0" cy="0"/>
+        </a:xfrm>
+      </p:grpSpPr>
+      <p:sp>
+        <p:nvSpPr>
+          <p:cNvPr id="2" name="Title 1">
+            <a:extLst>
+              <a:ext uri="{FF2B5EF4-FFF2-40B4-BE49-F238E27FC236}">
+                <a16:creationId xmlns:a16="http://schemas.microsoft.com/office/drawing/2014/main" id="{059A30E9-E5DC-40A9-BA38-DD5329B1536F}"/>
+              </a:ext>
+            </a:extLst>
+          </p:cNvPr>
+          <p:cNvSpPr>
+            <a:spLocks noGrp="1"/>
+          </p:cNvSpPr>
+          <p:nvPr>
+            <p:ph type="title"/>
+          </p:nvPr>
+        </p:nvSpPr>
+        <p:spPr>
+          <a:xfrm>
+            <a:off x="804672" y="964692"/>
+            <a:ext cx="3066937" cy="1188720"/>
+          </a:xfrm>
+        </p:spPr>
+        <p:txBody>
+          <a:bodyPr>
+            <a:normAutofit/>
+          </a:bodyPr>
+          <a:lstStyle/>
+          <a:p>
+            <a:r>
+              <a:rPr lang="en-US" dirty="0"/>
+              <a:t>Time complexity</a:t>
+            </a:r>
+          </a:p>
+        </p:txBody>
+      </p:sp>
+      <p:sp>
+        <p:nvSpPr>
+          <p:cNvPr id="9" name="Content Placeholder 8">
+            <a:extLst>
+              <a:ext uri="{FF2B5EF4-FFF2-40B4-BE49-F238E27FC236}">
+                <a16:creationId xmlns:a16="http://schemas.microsoft.com/office/drawing/2014/main" id="{871F59BE-456E-485A-A335-E0106940CC22}"/>
+              </a:ext>
+            </a:extLst>
+          </p:cNvPr>
+          <p:cNvSpPr>
+            <a:spLocks noGrp="1"/>
+          </p:cNvSpPr>
+          <p:nvPr>
+            <p:ph idx="1"/>
+          </p:nvPr>
+        </p:nvSpPr>
+        <p:spPr>
+          <a:xfrm>
+            <a:off x="803244" y="2638044"/>
+            <a:ext cx="3063765" cy="3263206"/>
+          </a:xfrm>
+        </p:spPr>
+        <p:txBody>
+          <a:bodyPr>
+            <a:normAutofit/>
+          </a:bodyPr>
+          <a:lstStyle/>
+          <a:p>
+            <a:pPr marL="0" indent="0">
+              <a:buNone/>
+            </a:pPr>
+            <a:r>
+              <a:rPr lang="en-US" dirty="0"/>
+              <a:t>This logarithmic graph shows the time complexity of the Automata script.</a:t>
+            </a:r>
+          </a:p>
+          <a:p>
+            <a:pPr marL="0" indent="0">
+              <a:buNone/>
+            </a:pPr>
+            <a:endParaRPr lang="en-US" dirty="0"/>
+          </a:p>
+          <a:p>
+            <a:pPr marL="0" indent="0">
+              <a:buNone/>
+            </a:pPr>
+            <a:r>
+              <a:rPr lang="en-US" dirty="0"/>
+              <a:t>The R</a:t>
+            </a:r>
+            <a:r>
+              <a:rPr lang="en-US" baseline="30000" dirty="0"/>
+              <a:t>2</a:t>
+            </a:r>
+            <a:r>
+              <a:rPr lang="en-US" dirty="0"/>
+              <a:t> value highly suggests that the algorithm is O(N) complexity.</a:t>
+            </a:r>
+          </a:p>
+        </p:txBody>
+      </p:sp>
+      <p:sp>
+        <p:nvSpPr>
+          <p:cNvPr id="12" name="Rectangle 11">
+            <a:extLst>
+              <a:ext uri="{FF2B5EF4-FFF2-40B4-BE49-F238E27FC236}">
+                <a16:creationId xmlns:a16="http://schemas.microsoft.com/office/drawing/2014/main" id="{6515FC82-3453-4CBE-8895-4CCFF339529E}"/>
+              </a:ext>
+              <a:ext uri="{C183D7F6-B498-43B3-948B-1728B52AA6E4}">
+                <adec:decorative xmlns:adec="http://schemas.microsoft.com/office/drawing/2017/decorative" val="1"/>
+              </a:ext>
+            </a:extLst>
+          </p:cNvPr>
+          <p:cNvSpPr>
+            <a:spLocks noGrp="1" noRot="1" noChangeAspect="1" noMove="1" noResize="1" noEditPoints="1" noAdjustHandles="1" noChangeArrowheads="1" noChangeShapeType="1" noTextEdit="1"/>
+          </p:cNvSpPr>
+          <p:nvPr>
+            <p:extLst>
+              <p:ext uri="{386F3935-93C4-4BCD-93E2-E3B085C9AB24}">
+                <p16:designElem xmlns:p16="http://schemas.microsoft.com/office/powerpoint/2015/main" val="1"/>
+              </p:ext>
+            </p:extLst>
+          </p:nvPr>
+        </p:nvSpPr>
+        <p:spPr>
+          <a:xfrm>
+            <a:off x="4494182" y="964692"/>
+            <a:ext cx="6885432" cy="4936558"/>
+          </a:xfrm>
+          <a:prstGeom prst="rect">
+            <a:avLst/>
+          </a:prstGeom>
+          <a:noFill/>
+          <a:ln w="31750" cap="sq">
+            <a:solidFill>
+              <a:srgbClr val="FFFFFF"/>
+            </a:solidFill>
+            <a:miter lim="800000"/>
+          </a:ln>
+        </p:spPr>
+        <p:style>
+          <a:lnRef idx="2">
+            <a:schemeClr val="accent1">
+              <a:shade val="50000"/>
+            </a:schemeClr>
+          </a:lnRef>
+          <a:fillRef idx="1">
+            <a:schemeClr val="accent1"/>
+          </a:fillRef>
+          <a:effectRef idx="0">
+            <a:schemeClr val="accent1"/>
+          </a:effectRef>
+          <a:fontRef idx="minor">
+            <a:schemeClr val="lt1"/>
+          </a:fontRef>
+        </p:style>
+        <p:txBody>
+          <a:bodyPr rtlCol="0" anchor="ctr"/>
+          <a:lstStyle/>
+          <a:p>
+            <a:pPr algn="ctr"/>
+            <a:endParaRPr lang="en-US" dirty="0"/>
+          </a:p>
+        </p:txBody>
+      </p:sp>
+      <p:sp>
+        <p:nvSpPr>
+          <p:cNvPr id="14" name="Rectangle 13">
+            <a:extLst>
+              <a:ext uri="{FF2B5EF4-FFF2-40B4-BE49-F238E27FC236}">
+                <a16:creationId xmlns:a16="http://schemas.microsoft.com/office/drawing/2014/main" id="{C5FD847B-65C0-4027-8DFC-70CB424514F8}"/>
+              </a:ext>
+              <a:ext uri="{C183D7F6-B498-43B3-948B-1728B52AA6E4}">
+                <adec:decorative xmlns:adec="http://schemas.microsoft.com/office/drawing/2017/decorative" val="1"/>
+              </a:ext>
+            </a:extLst>
+          </p:cNvPr>
+          <p:cNvSpPr>
+            <a:spLocks noGrp="1" noRot="1" noChangeAspect="1" noMove="1" noResize="1" noEditPoints="1" noAdjustHandles="1" noChangeArrowheads="1" noChangeShapeType="1" noTextEdit="1"/>
+          </p:cNvSpPr>
+          <p:nvPr>
+            <p:extLst>
+              <p:ext uri="{386F3935-93C4-4BCD-93E2-E3B085C9AB24}">
+                <p16:designElem xmlns:p16="http://schemas.microsoft.com/office/powerpoint/2015/main" val="1"/>
+              </p:ext>
+            </p:extLst>
+          </p:nvPr>
+        </p:nvSpPr>
+        <p:spPr>
+          <a:xfrm>
+            <a:off x="4657802" y="1128683"/>
+            <a:ext cx="6558192" cy="4608576"/>
+          </a:xfrm>
+          <a:prstGeom prst="rect">
+            <a:avLst/>
+          </a:prstGeom>
+          <a:solidFill>
+            <a:srgbClr val="FFFFFF"/>
+          </a:solidFill>
+          <a:ln>
+            <a:noFill/>
+          </a:ln>
+        </p:spPr>
+        <p:style>
+          <a:lnRef idx="2">
+            <a:schemeClr val="accent1">
+              <a:shade val="50000"/>
+            </a:schemeClr>
+          </a:lnRef>
+          <a:fillRef idx="1">
+            <a:schemeClr val="accent1"/>
+          </a:fillRef>
+          <a:effectRef idx="0">
+            <a:schemeClr val="accent1"/>
+          </a:effectRef>
+          <a:fontRef idx="minor">
+            <a:schemeClr val="lt1"/>
+          </a:fontRef>
+        </p:style>
+        <p:txBody>
+          <a:bodyPr rtlCol="0" anchor="ctr"/>
+          <a:lstStyle/>
+          <a:p>
+            <a:pPr algn="ctr"/>
+            <a:endParaRPr lang="en-US"/>
+          </a:p>
+        </p:txBody>
+      </p:sp>
+      <p:pic>
+        <p:nvPicPr>
+          <p:cNvPr id="5" name="Content Placeholder 4" descr="Chart, line chart&#10;&#10;Description automatically generated">
+            <a:extLst>
+              <a:ext uri="{FF2B5EF4-FFF2-40B4-BE49-F238E27FC236}">
+                <a16:creationId xmlns:a16="http://schemas.microsoft.com/office/drawing/2014/main" id="{DBF113C1-BA95-40E2-84B5-19809C34A07E}"/>
+              </a:ext>
+            </a:extLst>
+          </p:cNvPr>
+          <p:cNvPicPr>
+            <a:picLocks noChangeAspect="1"/>
+          </p:cNvPicPr>
+          <p:nvPr/>
+        </p:nvPicPr>
+        <p:blipFill>
+          <a:blip r:embed="rId2">
+            <a:extLst>
+              <a:ext uri="{28A0092B-C50C-407E-A947-70E740481C1C}">
+                <a14:useLocalDpi xmlns:a14="http://schemas.microsoft.com/office/drawing/2010/main" val="0"/>
+              </a:ext>
+            </a:extLst>
+          </a:blip>
+          <a:stretch>
+            <a:fillRect/>
+          </a:stretch>
+        </p:blipFill>
+        <p:spPr>
+          <a:xfrm>
+            <a:off x="4823366" y="1569383"/>
+            <a:ext cx="6227064" cy="3727175"/>
+          </a:xfrm>
+          <a:prstGeom prst="rect">
+            <a:avLst/>
+          </a:prstGeom>
+        </p:spPr>
+      </p:pic>
+    </p:spTree>
+    <p:extLst>
+      <p:ext uri="{BB962C8B-B14F-4D97-AF65-F5344CB8AC3E}">
+        <p14:creationId xmlns:p14="http://schemas.microsoft.com/office/powerpoint/2010/main" val="1717139187"/>
+      </p:ext>
+    </p:extLst>
+  </p:cSld>
+  <p:clrMapOvr>
+    <a:masterClrMapping/>
+  </p:clrMapOvr>
+</p:sld>
+</file>
+
+<file path=ppt/slides/slide27.xml><?xml version="1.0" encoding="utf-8"?>
 <p:sld xmlns:a="http://schemas.openxmlformats.org/drawingml/2006/main" xmlns:r="http://schemas.openxmlformats.org/officeDocument/2006/relationships" xmlns:p="http://schemas.openxmlformats.org/presentationml/2006/main">
   <p:cSld>
     <p:spTree>
@@ -27793,6 +29171,831 @@
     <p:extLst>
       <p:ext uri="{BB962C8B-B14F-4D97-AF65-F5344CB8AC3E}">
         <p14:creationId xmlns:p14="http://schemas.microsoft.com/office/powerpoint/2010/main" val="3926238032"/>
+      </p:ext>
+    </p:extLst>
+  </p:cSld>
+  <p:clrMapOvr>
+    <a:masterClrMapping/>
+  </p:clrMapOvr>
+</p:sld>
+</file>
+
+<file path=ppt/slides/slide28.xml><?xml version="1.0" encoding="utf-8"?>
+<p:sld xmlns:a="http://schemas.openxmlformats.org/drawingml/2006/main" xmlns:r="http://schemas.openxmlformats.org/officeDocument/2006/relationships" xmlns:p="http://schemas.openxmlformats.org/presentationml/2006/main">
+  <p:cSld>
+    <p:bg>
+      <p:bgPr>
+        <a:solidFill>
+          <a:schemeClr val="bg1">
+            <a:lumMod val="95000"/>
+          </a:schemeClr>
+        </a:solidFill>
+        <a:effectLst/>
+      </p:bgPr>
+    </p:bg>
+    <p:spTree>
+      <p:nvGrpSpPr>
+        <p:cNvPr id="1" name=""/>
+        <p:cNvGrpSpPr/>
+        <p:nvPr/>
+      </p:nvGrpSpPr>
+      <p:grpSpPr>
+        <a:xfrm>
+          <a:off x="0" y="0"/>
+          <a:ext cx="0" cy="0"/>
+          <a:chOff x="0" y="0"/>
+          <a:chExt cx="0" cy="0"/>
+        </a:xfrm>
+      </p:grpSpPr>
+      <p:sp useBgFill="1">
+        <p:nvSpPr>
+          <p:cNvPr id="19" name="Rectangle 18">
+            <a:extLst>
+              <a:ext uri="{FF2B5EF4-FFF2-40B4-BE49-F238E27FC236}">
+                <a16:creationId xmlns:a16="http://schemas.microsoft.com/office/drawing/2014/main" id="{1660E788-AFA9-4A1B-9991-6AA74632A15B}"/>
+              </a:ext>
+              <a:ext uri="{C183D7F6-B498-43B3-948B-1728B52AA6E4}">
+                <adec:decorative xmlns:adec="http://schemas.microsoft.com/office/drawing/2017/decorative" val="1"/>
+              </a:ext>
+            </a:extLst>
+          </p:cNvPr>
+          <p:cNvSpPr>
+            <a:spLocks noGrp="1" noRot="1" noChangeAspect="1" noMove="1" noResize="1" noEditPoints="1" noAdjustHandles="1" noChangeArrowheads="1" noChangeShapeType="1" noTextEdit="1"/>
+          </p:cNvSpPr>
+          <p:nvPr>
+            <p:extLst>
+              <p:ext uri="{386F3935-93C4-4BCD-93E2-E3B085C9AB24}">
+                <p16:designElem xmlns:p16="http://schemas.microsoft.com/office/powerpoint/2015/main" val="1"/>
+              </p:ext>
+            </p:extLst>
+          </p:nvPr>
+        </p:nvSpPr>
+        <p:spPr>
+          <a:xfrm>
+            <a:off x="0" y="0"/>
+            <a:ext cx="12191999" cy="6858000"/>
+          </a:xfrm>
+          <a:prstGeom prst="rect">
+            <a:avLst/>
+          </a:prstGeom>
+          <a:ln>
+            <a:noFill/>
+          </a:ln>
+        </p:spPr>
+        <p:style>
+          <a:lnRef idx="2">
+            <a:schemeClr val="accent1">
+              <a:shade val="50000"/>
+            </a:schemeClr>
+          </a:lnRef>
+          <a:fillRef idx="1">
+            <a:schemeClr val="accent1"/>
+          </a:fillRef>
+          <a:effectRef idx="0">
+            <a:schemeClr val="accent1"/>
+          </a:effectRef>
+          <a:fontRef idx="minor">
+            <a:schemeClr val="lt1"/>
+          </a:fontRef>
+        </p:style>
+        <p:txBody>
+          <a:bodyPr rtlCol="0" anchor="ctr"/>
+          <a:lstStyle/>
+          <a:p>
+            <a:pPr algn="ctr"/>
+            <a:endParaRPr lang="en-US"/>
+          </a:p>
+        </p:txBody>
+      </p:sp>
+      <p:sp>
+        <p:nvSpPr>
+          <p:cNvPr id="21" name="Rectangle 20">
+            <a:extLst>
+              <a:ext uri="{FF2B5EF4-FFF2-40B4-BE49-F238E27FC236}">
+                <a16:creationId xmlns:a16="http://schemas.microsoft.com/office/drawing/2014/main" id="{867D4867-5BA7-4462-B2F6-A23F4A622AA7}"/>
+              </a:ext>
+              <a:ext uri="{C183D7F6-B498-43B3-948B-1728B52AA6E4}">
+                <adec:decorative xmlns:adec="http://schemas.microsoft.com/office/drawing/2017/decorative" val="1"/>
+              </a:ext>
+            </a:extLst>
+          </p:cNvPr>
+          <p:cNvSpPr>
+            <a:spLocks noGrp="1" noRot="1" noChangeAspect="1" noMove="1" noResize="1" noEditPoints="1" noAdjustHandles="1" noChangeArrowheads="1" noChangeShapeType="1" noTextEdit="1"/>
+          </p:cNvSpPr>
+          <p:nvPr>
+            <p:extLst>
+              <p:ext uri="{386F3935-93C4-4BCD-93E2-E3B085C9AB24}">
+                <p16:designElem xmlns:p16="http://schemas.microsoft.com/office/powerpoint/2015/main" val="1"/>
+              </p:ext>
+            </p:extLst>
+          </p:nvPr>
+        </p:nvSpPr>
+        <p:spPr>
+          <a:xfrm>
+            <a:off x="0" y="0"/>
+            <a:ext cx="4654296" cy="6858000"/>
+          </a:xfrm>
+          <a:prstGeom prst="rect">
+            <a:avLst/>
+          </a:prstGeom>
+          <a:solidFill>
+            <a:schemeClr val="tx2"/>
+          </a:solidFill>
+          <a:ln>
+            <a:noFill/>
+          </a:ln>
+        </p:spPr>
+        <p:style>
+          <a:lnRef idx="0">
+            <a:scrgbClr r="0" g="0" b="0"/>
+          </a:lnRef>
+          <a:fillRef idx="0">
+            <a:scrgbClr r="0" g="0" b="0"/>
+          </a:fillRef>
+          <a:effectRef idx="0">
+            <a:scrgbClr r="0" g="0" b="0"/>
+          </a:effectRef>
+          <a:fontRef idx="minor">
+            <a:schemeClr val="lt1"/>
+          </a:fontRef>
+        </p:style>
+        <p:txBody>
+          <a:bodyPr rtlCol="0" anchor="ctr"/>
+          <a:lstStyle/>
+          <a:p>
+            <a:pPr algn="ctr"/>
+            <a:endParaRPr lang="en-US"/>
+          </a:p>
+        </p:txBody>
+      </p:sp>
+      <p:sp>
+        <p:nvSpPr>
+          <p:cNvPr id="2" name="Title 1">
+            <a:extLst>
+              <a:ext uri="{FF2B5EF4-FFF2-40B4-BE49-F238E27FC236}">
+                <a16:creationId xmlns:a16="http://schemas.microsoft.com/office/drawing/2014/main" id="{BCBAD8E5-BB4A-4A8E-82BB-4C30E67A598E}"/>
+              </a:ext>
+            </a:extLst>
+          </p:cNvPr>
+          <p:cNvSpPr>
+            <a:spLocks noGrp="1"/>
+          </p:cNvSpPr>
+          <p:nvPr>
+            <p:ph type="title"/>
+          </p:nvPr>
+        </p:nvSpPr>
+        <p:spPr>
+          <a:xfrm>
+            <a:off x="643467" y="643467"/>
+            <a:ext cx="3363974" cy="1728044"/>
+          </a:xfrm>
+          <a:noFill/>
+          <a:ln>
+            <a:solidFill>
+              <a:schemeClr val="bg1"/>
+            </a:solidFill>
+          </a:ln>
+        </p:spPr>
+        <p:txBody>
+          <a:bodyPr vert="horz" wrap="square" lIns="274320" tIns="182880" rIns="274320" bIns="182880" rtlCol="0" anchorCtr="1">
+            <a:normAutofit/>
+          </a:bodyPr>
+          <a:lstStyle/>
+          <a:p>
+            <a:r>
+              <a:rPr lang="en-US" dirty="0">
+                <a:solidFill>
+                  <a:schemeClr val="bg1"/>
+                </a:solidFill>
+              </a:rPr>
+              <a:t>TCP</a:t>
+            </a:r>
+          </a:p>
+        </p:txBody>
+      </p:sp>
+      <p:sp>
+        <p:nvSpPr>
+          <p:cNvPr id="16" name="Content Placeholder 15">
+            <a:extLst>
+              <a:ext uri="{FF2B5EF4-FFF2-40B4-BE49-F238E27FC236}">
+                <a16:creationId xmlns:a16="http://schemas.microsoft.com/office/drawing/2014/main" id="{40683A49-7512-4D7E-9F3E-A2A26CB49330}"/>
+              </a:ext>
+            </a:extLst>
+          </p:cNvPr>
+          <p:cNvSpPr>
+            <a:spLocks noGrp="1"/>
+          </p:cNvSpPr>
+          <p:nvPr>
+            <p:ph idx="1"/>
+          </p:nvPr>
+        </p:nvSpPr>
+        <p:spPr>
+          <a:xfrm>
+            <a:off x="643468" y="2638044"/>
+            <a:ext cx="3363974" cy="3415622"/>
+          </a:xfrm>
+        </p:spPr>
+        <p:txBody>
+          <a:bodyPr>
+            <a:normAutofit/>
+          </a:bodyPr>
+          <a:lstStyle/>
+          <a:p>
+            <a:pPr marL="0" indent="0">
+              <a:buNone/>
+            </a:pPr>
+            <a:r>
+              <a:rPr lang="en-US" dirty="0">
+                <a:solidFill>
+                  <a:schemeClr val="bg1"/>
+                </a:solidFill>
+              </a:rPr>
+              <a:t>The TCP network protocol can be represented as a finite automaton.</a:t>
+            </a:r>
+          </a:p>
+        </p:txBody>
+      </p:sp>
+      <p:pic>
+        <p:nvPicPr>
+          <p:cNvPr id="5" name="Content Placeholder 4" descr="Diagram&#10;&#10;Description automatically generated">
+            <a:extLst>
+              <a:ext uri="{FF2B5EF4-FFF2-40B4-BE49-F238E27FC236}">
+                <a16:creationId xmlns:a16="http://schemas.microsoft.com/office/drawing/2014/main" id="{6B651AA6-EBFA-46D0-B590-E737D9BC6C8A}"/>
+              </a:ext>
+            </a:extLst>
+          </p:cNvPr>
+          <p:cNvPicPr>
+            <a:picLocks noChangeAspect="1"/>
+          </p:cNvPicPr>
+          <p:nvPr/>
+        </p:nvPicPr>
+        <p:blipFill>
+          <a:blip r:embed="rId2">
+            <a:extLst>
+              <a:ext uri="{28A0092B-C50C-407E-A947-70E740481C1C}">
+                <a14:useLocalDpi xmlns:a14="http://schemas.microsoft.com/office/drawing/2010/main" val="0"/>
+              </a:ext>
+            </a:extLst>
+          </a:blip>
+          <a:stretch>
+            <a:fillRect/>
+          </a:stretch>
+        </p:blipFill>
+        <p:spPr>
+          <a:xfrm>
+            <a:off x="6184678" y="643467"/>
+            <a:ext cx="4476939" cy="5410199"/>
+          </a:xfrm>
+          <a:prstGeom prst="rect">
+            <a:avLst/>
+          </a:prstGeom>
+        </p:spPr>
+      </p:pic>
+    </p:spTree>
+    <p:extLst>
+      <p:ext uri="{BB962C8B-B14F-4D97-AF65-F5344CB8AC3E}">
+        <p14:creationId xmlns:p14="http://schemas.microsoft.com/office/powerpoint/2010/main" val="2214672504"/>
+      </p:ext>
+    </p:extLst>
+  </p:cSld>
+  <p:clrMapOvr>
+    <a:masterClrMapping/>
+  </p:clrMapOvr>
+</p:sld>
+</file>
+
+<file path=ppt/slides/slide29.xml><?xml version="1.0" encoding="utf-8"?>
+<p:sld xmlns:a="http://schemas.openxmlformats.org/drawingml/2006/main" xmlns:r="http://schemas.openxmlformats.org/officeDocument/2006/relationships" xmlns:p="http://schemas.openxmlformats.org/presentationml/2006/main">
+  <p:cSld>
+    <p:bg>
+      <p:bgPr>
+        <a:solidFill>
+          <a:schemeClr val="bg1"/>
+        </a:solidFill>
+        <a:effectLst/>
+      </p:bgPr>
+    </p:bg>
+    <p:spTree>
+      <p:nvGrpSpPr>
+        <p:cNvPr id="1" name=""/>
+        <p:cNvGrpSpPr/>
+        <p:nvPr/>
+      </p:nvGrpSpPr>
+      <p:grpSpPr>
+        <a:xfrm>
+          <a:off x="0" y="0"/>
+          <a:ext cx="0" cy="0"/>
+          <a:chOff x="0" y="0"/>
+          <a:chExt cx="0" cy="0"/>
+        </a:xfrm>
+      </p:grpSpPr>
+      <p:sp useBgFill="1">
+        <p:nvSpPr>
+          <p:cNvPr id="20" name="Rectangle 19">
+            <a:extLst>
+              <a:ext uri="{FF2B5EF4-FFF2-40B4-BE49-F238E27FC236}">
+                <a16:creationId xmlns:a16="http://schemas.microsoft.com/office/drawing/2014/main" id="{EC7FF834-B204-4967-8D47-8BB36EAF0EF5}"/>
+              </a:ext>
+              <a:ext uri="{C183D7F6-B498-43B3-948B-1728B52AA6E4}">
+                <adec:decorative xmlns:adec="http://schemas.microsoft.com/office/drawing/2017/decorative" val="1"/>
+              </a:ext>
+            </a:extLst>
+          </p:cNvPr>
+          <p:cNvSpPr>
+            <a:spLocks noGrp="1" noRot="1" noChangeAspect="1" noMove="1" noResize="1" noEditPoints="1" noAdjustHandles="1" noChangeArrowheads="1" noChangeShapeType="1" noTextEdit="1"/>
+          </p:cNvSpPr>
+          <p:nvPr>
+            <p:extLst>
+              <p:ext uri="{386F3935-93C4-4BCD-93E2-E3B085C9AB24}">
+                <p16:designElem xmlns:p16="http://schemas.microsoft.com/office/powerpoint/2015/main" val="1"/>
+              </p:ext>
+            </p:extLst>
+          </p:nvPr>
+        </p:nvSpPr>
+        <p:spPr>
+          <a:xfrm>
+            <a:off x="0" y="-2"/>
+            <a:ext cx="12192000" cy="6858002"/>
+          </a:xfrm>
+          <a:prstGeom prst="rect">
+            <a:avLst/>
+          </a:prstGeom>
+          <a:ln>
+            <a:noFill/>
+          </a:ln>
+        </p:spPr>
+        <p:style>
+          <a:lnRef idx="2">
+            <a:schemeClr val="accent1">
+              <a:shade val="50000"/>
+            </a:schemeClr>
+          </a:lnRef>
+          <a:fillRef idx="1">
+            <a:schemeClr val="accent1"/>
+          </a:fillRef>
+          <a:effectRef idx="0">
+            <a:schemeClr val="accent1"/>
+          </a:effectRef>
+          <a:fontRef idx="minor">
+            <a:schemeClr val="lt1"/>
+          </a:fontRef>
+        </p:style>
+        <p:txBody>
+          <a:bodyPr rtlCol="0" anchor="ctr"/>
+          <a:lstStyle/>
+          <a:p>
+            <a:pPr algn="ctr"/>
+            <a:endParaRPr lang="en-US"/>
+          </a:p>
+        </p:txBody>
+      </p:sp>
+      <p:sp>
+        <p:nvSpPr>
+          <p:cNvPr id="22" name="Rectangle 21">
+            <a:extLst>
+              <a:ext uri="{FF2B5EF4-FFF2-40B4-BE49-F238E27FC236}">
+                <a16:creationId xmlns:a16="http://schemas.microsoft.com/office/drawing/2014/main" id="{F780A22D-61EA-43E3-BD94-3E39CF902160}"/>
+              </a:ext>
+              <a:ext uri="{C183D7F6-B498-43B3-948B-1728B52AA6E4}">
+                <adec:decorative xmlns:adec="http://schemas.microsoft.com/office/drawing/2017/decorative" val="1"/>
+              </a:ext>
+            </a:extLst>
+          </p:cNvPr>
+          <p:cNvSpPr>
+            <a:spLocks noGrp="1" noRot="1" noChangeAspect="1" noMove="1" noResize="1" noEditPoints="1" noAdjustHandles="1" noChangeArrowheads="1" noChangeShapeType="1" noTextEdit="1"/>
+          </p:cNvSpPr>
+          <p:nvPr>
+            <p:extLst>
+              <p:ext uri="{386F3935-93C4-4BCD-93E2-E3B085C9AB24}">
+                <p16:designElem xmlns:p16="http://schemas.microsoft.com/office/powerpoint/2015/main" val="1"/>
+              </p:ext>
+            </p:extLst>
+          </p:nvPr>
+        </p:nvSpPr>
+        <p:spPr>
+          <a:xfrm>
+            <a:off x="0" y="4918509"/>
+            <a:ext cx="12192000" cy="1939491"/>
+          </a:xfrm>
+          <a:prstGeom prst="rect">
+            <a:avLst/>
+          </a:prstGeom>
+          <a:solidFill>
+            <a:schemeClr val="accent2"/>
+          </a:solidFill>
+          <a:ln>
+            <a:noFill/>
+          </a:ln>
+        </p:spPr>
+        <p:style>
+          <a:lnRef idx="2">
+            <a:schemeClr val="accent1">
+              <a:shade val="50000"/>
+            </a:schemeClr>
+          </a:lnRef>
+          <a:fillRef idx="1">
+            <a:schemeClr val="accent1"/>
+          </a:fillRef>
+          <a:effectRef idx="0">
+            <a:schemeClr val="accent1"/>
+          </a:effectRef>
+          <a:fontRef idx="minor">
+            <a:schemeClr val="lt1"/>
+          </a:fontRef>
+        </p:style>
+        <p:txBody>
+          <a:bodyPr rtlCol="0" anchor="ctr"/>
+          <a:lstStyle/>
+          <a:p>
+            <a:pPr algn="ctr"/>
+            <a:endParaRPr lang="en-US"/>
+          </a:p>
+        </p:txBody>
+      </p:sp>
+      <p:sp>
+        <p:nvSpPr>
+          <p:cNvPr id="2" name="Title 1">
+            <a:extLst>
+              <a:ext uri="{FF2B5EF4-FFF2-40B4-BE49-F238E27FC236}">
+                <a16:creationId xmlns:a16="http://schemas.microsoft.com/office/drawing/2014/main" id="{29A56F46-ADAF-493C-A538-476BEC93103D}"/>
+              </a:ext>
+            </a:extLst>
+          </p:cNvPr>
+          <p:cNvSpPr>
+            <a:spLocks noGrp="1"/>
+          </p:cNvSpPr>
+          <p:nvPr>
+            <p:ph type="title"/>
+          </p:nvPr>
+        </p:nvSpPr>
+        <p:spPr>
+          <a:xfrm>
+            <a:off x="1600200" y="4269282"/>
+            <a:ext cx="8991600" cy="1264762"/>
+          </a:xfrm>
+        </p:spPr>
+        <p:txBody>
+          <a:bodyPr vert="horz" lIns="274320" tIns="182880" rIns="274320" bIns="182880" rtlCol="0" anchor="ctr" anchorCtr="1">
+            <a:normAutofit/>
+          </a:bodyPr>
+          <a:lstStyle/>
+          <a:p>
+            <a:r>
+              <a:rPr lang="en-US" sz="3200"/>
+              <a:t>Path of least resistance through TCP</a:t>
+            </a:r>
+          </a:p>
+        </p:txBody>
+      </p:sp>
+      <p:sp>
+        <p:nvSpPr>
+          <p:cNvPr id="10" name="Content Placeholder 9">
+            <a:extLst>
+              <a:ext uri="{FF2B5EF4-FFF2-40B4-BE49-F238E27FC236}">
+                <a16:creationId xmlns:a16="http://schemas.microsoft.com/office/drawing/2014/main" id="{F7907547-D765-4329-A369-A4C7C464A751}"/>
+              </a:ext>
+            </a:extLst>
+          </p:cNvPr>
+          <p:cNvSpPr>
+            <a:spLocks noGrp="1"/>
+          </p:cNvSpPr>
+          <p:nvPr>
+            <p:ph idx="1"/>
+          </p:nvPr>
+        </p:nvSpPr>
+        <p:spPr>
+          <a:xfrm>
+            <a:off x="2695194" y="5688535"/>
+            <a:ext cx="6801612" cy="536125"/>
+          </a:xfrm>
+        </p:spPr>
+        <p:txBody>
+          <a:bodyPr vert="horz" lIns="91440" tIns="45720" rIns="91440" bIns="45720" rtlCol="0">
+            <a:normAutofit/>
+          </a:bodyPr>
+          <a:lstStyle/>
+          <a:p>
+            <a:pPr marL="0" indent="0" algn="ctr">
+              <a:buNone/>
+            </a:pPr>
+            <a:r>
+              <a:rPr lang="en-US" kern="1200" dirty="0">
+                <a:solidFill>
+                  <a:srgbClr val="FFFFFF"/>
+                </a:solidFill>
+                <a:latin typeface="+mn-lt"/>
+                <a:ea typeface="+mn-ea"/>
+                <a:cs typeface="+mn-cs"/>
+              </a:rPr>
+              <a:t>Weights = [</a:t>
+            </a:r>
+            <a:r>
+              <a:rPr lang="en-US" dirty="0">
+                <a:solidFill>
+                  <a:srgbClr val="FFFFFF"/>
+                </a:solidFill>
+              </a:rPr>
+              <a:t>POPEN</a:t>
+            </a:r>
+            <a:r>
+              <a:rPr lang="en-US" kern="1200" dirty="0">
+                <a:solidFill>
+                  <a:srgbClr val="FFFFFF"/>
+                </a:solidFill>
+                <a:latin typeface="+mn-lt"/>
+                <a:ea typeface="+mn-ea"/>
+                <a:cs typeface="+mn-cs"/>
+              </a:rPr>
+              <a:t>,AOPEN,CLOSE,RECV,RECVACK,TIMEOUT]</a:t>
+            </a:r>
+          </a:p>
+        </p:txBody>
+      </p:sp>
+      <p:pic>
+        <p:nvPicPr>
+          <p:cNvPr id="8" name="Picture 7" descr="Text&#10;&#10;Description automatically generated">
+            <a:extLst>
+              <a:ext uri="{FF2B5EF4-FFF2-40B4-BE49-F238E27FC236}">
+                <a16:creationId xmlns:a16="http://schemas.microsoft.com/office/drawing/2014/main" id="{0B05C654-1A7D-4668-AD2F-4EACAD1592BB}"/>
+              </a:ext>
+            </a:extLst>
+          </p:cNvPr>
+          <p:cNvPicPr>
+            <a:picLocks noChangeAspect="1"/>
+          </p:cNvPicPr>
+          <p:nvPr/>
+        </p:nvPicPr>
+        <p:blipFill>
+          <a:blip r:embed="rId2">
+            <a:extLst>
+              <a:ext uri="{28A0092B-C50C-407E-A947-70E740481C1C}">
+                <a14:useLocalDpi xmlns:a14="http://schemas.microsoft.com/office/drawing/2010/main" val="0"/>
+              </a:ext>
+            </a:extLst>
+          </a:blip>
+          <a:stretch>
+            <a:fillRect/>
+          </a:stretch>
+        </p:blipFill>
+        <p:spPr>
+          <a:xfrm>
+            <a:off x="-23778" y="476245"/>
+            <a:ext cx="12215778" cy="2469081"/>
+          </a:xfrm>
+          <a:prstGeom prst="rect">
+            <a:avLst/>
+          </a:prstGeom>
+        </p:spPr>
+      </p:pic>
+      <p:sp>
+        <p:nvSpPr>
+          <p:cNvPr id="14" name="Content Placeholder 9">
+            <a:extLst>
+              <a:ext uri="{FF2B5EF4-FFF2-40B4-BE49-F238E27FC236}">
+                <a16:creationId xmlns:a16="http://schemas.microsoft.com/office/drawing/2014/main" id="{44C49DDC-E990-4BDA-BD33-DB443FA66D23}"/>
+              </a:ext>
+            </a:extLst>
+          </p:cNvPr>
+          <p:cNvSpPr txBox="1">
+            <a:spLocks/>
+          </p:cNvSpPr>
+          <p:nvPr/>
+        </p:nvSpPr>
+        <p:spPr>
+          <a:xfrm>
+            <a:off x="2683305" y="3153868"/>
+            <a:ext cx="6801612" cy="778049"/>
+          </a:xfrm>
+          <a:prstGeom prst="rect">
+            <a:avLst/>
+          </a:prstGeom>
+        </p:spPr>
+        <p:txBody>
+          <a:bodyPr vert="horz" lIns="91440" tIns="45720" rIns="91440" bIns="45720" rtlCol="0">
+            <a:normAutofit/>
+          </a:bodyPr>
+          <a:lstStyle>
+            <a:lvl1pPr marL="228600" indent="-228600" algn="l" defTabSz="914400" rtl="0" eaLnBrk="1" latinLnBrk="0" hangingPunct="1">
+              <a:lnSpc>
+                <a:spcPct val="100000"/>
+              </a:lnSpc>
+              <a:spcBef>
+                <a:spcPts val="1000"/>
+              </a:spcBef>
+              <a:buClr>
+                <a:schemeClr val="accent2"/>
+              </a:buClr>
+              <a:buFont typeface="Arial" panose="020B0604020202020204" pitchFamily="34" charset="0"/>
+              <a:buChar char="•"/>
+              <a:defRPr sz="1800" kern="1200">
+                <a:solidFill>
+                  <a:schemeClr val="tx1">
+                    <a:lumMod val="85000"/>
+                    <a:lumOff val="15000"/>
+                  </a:schemeClr>
+                </a:solidFill>
+                <a:latin typeface="+mn-lt"/>
+                <a:ea typeface="+mn-ea"/>
+                <a:cs typeface="+mn-cs"/>
+              </a:defRPr>
+            </a:lvl1pPr>
+            <a:lvl2pPr marL="457200" indent="-228600" algn="l" defTabSz="914400" rtl="0" eaLnBrk="1" latinLnBrk="0" hangingPunct="1">
+              <a:lnSpc>
+                <a:spcPct val="100000"/>
+              </a:lnSpc>
+              <a:spcBef>
+                <a:spcPts val="1000"/>
+              </a:spcBef>
+              <a:buClr>
+                <a:schemeClr val="accent2"/>
+              </a:buClr>
+              <a:buFont typeface="Arial" panose="020B0604020202020204" pitchFamily="34" charset="0"/>
+              <a:buChar char="•"/>
+              <a:defRPr sz="1600" kern="1200">
+                <a:solidFill>
+                  <a:schemeClr val="tx1">
+                    <a:lumMod val="85000"/>
+                    <a:lumOff val="15000"/>
+                  </a:schemeClr>
+                </a:solidFill>
+                <a:latin typeface="+mn-lt"/>
+                <a:ea typeface="+mn-ea"/>
+                <a:cs typeface="+mn-cs"/>
+              </a:defRPr>
+            </a:lvl2pPr>
+            <a:lvl3pPr marL="685800" indent="-228600" algn="l" defTabSz="914400" rtl="0" eaLnBrk="1" latinLnBrk="0" hangingPunct="1">
+              <a:lnSpc>
+                <a:spcPct val="100000"/>
+              </a:lnSpc>
+              <a:spcBef>
+                <a:spcPts val="1000"/>
+              </a:spcBef>
+              <a:buClr>
+                <a:schemeClr val="accent2"/>
+              </a:buClr>
+              <a:buFont typeface="Arial" panose="020B0604020202020204" pitchFamily="34" charset="0"/>
+              <a:buChar char="•"/>
+              <a:defRPr sz="1600" kern="1200">
+                <a:solidFill>
+                  <a:schemeClr val="tx1">
+                    <a:lumMod val="85000"/>
+                    <a:lumOff val="15000"/>
+                  </a:schemeClr>
+                </a:solidFill>
+                <a:latin typeface="+mn-lt"/>
+                <a:ea typeface="+mn-ea"/>
+                <a:cs typeface="+mn-cs"/>
+              </a:defRPr>
+            </a:lvl3pPr>
+            <a:lvl4pPr marL="914400" indent="-228600" algn="l" defTabSz="914400" rtl="0" eaLnBrk="1" latinLnBrk="0" hangingPunct="1">
+              <a:lnSpc>
+                <a:spcPct val="100000"/>
+              </a:lnSpc>
+              <a:spcBef>
+                <a:spcPts val="1000"/>
+              </a:spcBef>
+              <a:buClr>
+                <a:schemeClr val="accent2"/>
+              </a:buClr>
+              <a:buFont typeface="Arial" panose="020B0604020202020204" pitchFamily="34" charset="0"/>
+              <a:buChar char="•"/>
+              <a:defRPr sz="1600" kern="1200">
+                <a:solidFill>
+                  <a:schemeClr val="tx1">
+                    <a:lumMod val="85000"/>
+                    <a:lumOff val="15000"/>
+                  </a:schemeClr>
+                </a:solidFill>
+                <a:latin typeface="+mn-lt"/>
+                <a:ea typeface="+mn-ea"/>
+                <a:cs typeface="+mn-cs"/>
+              </a:defRPr>
+            </a:lvl4pPr>
+            <a:lvl5pPr marL="1143000" indent="-228600" algn="l" defTabSz="914400" rtl="0" eaLnBrk="1" latinLnBrk="0" hangingPunct="1">
+              <a:lnSpc>
+                <a:spcPct val="100000"/>
+              </a:lnSpc>
+              <a:spcBef>
+                <a:spcPts val="1000"/>
+              </a:spcBef>
+              <a:buClr>
+                <a:schemeClr val="accent2"/>
+              </a:buClr>
+              <a:buFont typeface="Arial" panose="020B0604020202020204" pitchFamily="34" charset="0"/>
+              <a:buChar char="•"/>
+              <a:defRPr sz="1600" kern="1200">
+                <a:solidFill>
+                  <a:schemeClr val="tx1">
+                    <a:lumMod val="85000"/>
+                    <a:lumOff val="15000"/>
+                  </a:schemeClr>
+                </a:solidFill>
+                <a:latin typeface="+mn-lt"/>
+                <a:ea typeface="+mn-ea"/>
+                <a:cs typeface="+mn-cs"/>
+              </a:defRPr>
+            </a:lvl5pPr>
+            <a:lvl6pPr marL="1312863" indent="-228600" algn="l" defTabSz="914400" rtl="0" eaLnBrk="1" latinLnBrk="0" hangingPunct="1">
+              <a:lnSpc>
+                <a:spcPct val="100000"/>
+              </a:lnSpc>
+              <a:spcBef>
+                <a:spcPts val="1000"/>
+              </a:spcBef>
+              <a:buClr>
+                <a:schemeClr val="accent2"/>
+              </a:buClr>
+              <a:buFont typeface="Arial" panose="020B0604020202020204" pitchFamily="34" charset="0"/>
+              <a:buChar char="•"/>
+              <a:defRPr sz="1600" kern="1200">
+                <a:solidFill>
+                  <a:schemeClr val="tx1"/>
+                </a:solidFill>
+                <a:latin typeface="+mn-lt"/>
+                <a:ea typeface="+mn-ea"/>
+                <a:cs typeface="+mn-cs"/>
+              </a:defRPr>
+            </a:lvl6pPr>
+            <a:lvl7pPr marL="1484313" indent="-228600" algn="l" defTabSz="914400" rtl="0" eaLnBrk="1" latinLnBrk="0" hangingPunct="1">
+              <a:lnSpc>
+                <a:spcPct val="100000"/>
+              </a:lnSpc>
+              <a:spcBef>
+                <a:spcPts val="1000"/>
+              </a:spcBef>
+              <a:buClr>
+                <a:schemeClr val="accent2"/>
+              </a:buClr>
+              <a:buFont typeface="Arial" panose="020B0604020202020204" pitchFamily="34" charset="0"/>
+              <a:buChar char="•"/>
+              <a:defRPr sz="1600" kern="1200">
+                <a:solidFill>
+                  <a:schemeClr val="tx1"/>
+                </a:solidFill>
+                <a:latin typeface="+mn-lt"/>
+                <a:ea typeface="+mn-ea"/>
+                <a:cs typeface="+mn-cs"/>
+              </a:defRPr>
+            </a:lvl7pPr>
+            <a:lvl8pPr marL="1657350" indent="-228600" algn="l" defTabSz="914400" rtl="0" eaLnBrk="1" latinLnBrk="0" hangingPunct="1">
+              <a:lnSpc>
+                <a:spcPct val="100000"/>
+              </a:lnSpc>
+              <a:spcBef>
+                <a:spcPts val="1000"/>
+              </a:spcBef>
+              <a:buClr>
+                <a:schemeClr val="accent2"/>
+              </a:buClr>
+              <a:buFont typeface="Arial" panose="020B0604020202020204" pitchFamily="34" charset="0"/>
+              <a:buChar char="•"/>
+              <a:defRPr sz="1600" kern="1200" baseline="0">
+                <a:solidFill>
+                  <a:schemeClr val="tx1"/>
+                </a:solidFill>
+                <a:latin typeface="+mn-lt"/>
+                <a:ea typeface="+mn-ea"/>
+                <a:cs typeface="+mn-cs"/>
+              </a:defRPr>
+            </a:lvl8pPr>
+            <a:lvl9pPr marL="1882775" indent="-228600" algn="l" defTabSz="914400" rtl="0" eaLnBrk="1" latinLnBrk="0" hangingPunct="1">
+              <a:lnSpc>
+                <a:spcPct val="100000"/>
+              </a:lnSpc>
+              <a:spcBef>
+                <a:spcPts val="1000"/>
+              </a:spcBef>
+              <a:buClr>
+                <a:schemeClr val="accent2"/>
+              </a:buClr>
+              <a:buFont typeface="Arial" panose="020B0604020202020204" pitchFamily="34" charset="0"/>
+              <a:buChar char="•"/>
+              <a:defRPr sz="1600" kern="1200" baseline="0">
+                <a:solidFill>
+                  <a:schemeClr val="tx1"/>
+                </a:solidFill>
+                <a:latin typeface="+mn-lt"/>
+                <a:ea typeface="+mn-ea"/>
+                <a:cs typeface="+mn-cs"/>
+              </a:defRPr>
+            </a:lvl9pPr>
+          </a:lstStyle>
+          <a:p>
+            <a:pPr marL="0" indent="0" algn="ctr">
+              <a:buFont typeface="Arial" panose="020B0604020202020204" pitchFamily="34" charset="0"/>
+              <a:buNone/>
+            </a:pPr>
+            <a:r>
+              <a:rPr lang="en-US" dirty="0"/>
+              <a:t>Path is CLOSE→RECVACK→POPEN→RECV→CLOSE→RECV→RECVACK </a:t>
+            </a:r>
+          </a:p>
+        </p:txBody>
+      </p:sp>
+    </p:spTree>
+    <p:extLst>
+      <p:ext uri="{BB962C8B-B14F-4D97-AF65-F5344CB8AC3E}">
+        <p14:creationId xmlns:p14="http://schemas.microsoft.com/office/powerpoint/2010/main" val="3453100621"/>
       </p:ext>
     </p:extLst>
   </p:cSld>
@@ -28136,6 +30339,546 @@
     <p:extLst>
       <p:ext uri="{BB962C8B-B14F-4D97-AF65-F5344CB8AC3E}">
         <p14:creationId xmlns:p14="http://schemas.microsoft.com/office/powerpoint/2010/main" val="3841015500"/>
+      </p:ext>
+    </p:extLst>
+  </p:cSld>
+  <p:clrMapOvr>
+    <a:masterClrMapping/>
+  </p:clrMapOvr>
+</p:sld>
+</file>
+
+<file path=ppt/slides/slide30.xml><?xml version="1.0" encoding="utf-8"?>
+<p:sld xmlns:a="http://schemas.openxmlformats.org/drawingml/2006/main" xmlns:r="http://schemas.openxmlformats.org/officeDocument/2006/relationships" xmlns:p="http://schemas.openxmlformats.org/presentationml/2006/main">
+  <p:cSld>
+    <p:bg>
+      <p:bgPr>
+        <a:solidFill>
+          <a:schemeClr val="bg1"/>
+        </a:solidFill>
+        <a:effectLst/>
+      </p:bgPr>
+    </p:bg>
+    <p:spTree>
+      <p:nvGrpSpPr>
+        <p:cNvPr id="1" name=""/>
+        <p:cNvGrpSpPr/>
+        <p:nvPr/>
+      </p:nvGrpSpPr>
+      <p:grpSpPr>
+        <a:xfrm>
+          <a:off x="0" y="0"/>
+          <a:ext cx="0" cy="0"/>
+          <a:chOff x="0" y="0"/>
+          <a:chExt cx="0" cy="0"/>
+        </a:xfrm>
+      </p:grpSpPr>
+      <p:sp useBgFill="1">
+        <p:nvSpPr>
+          <p:cNvPr id="20" name="Rectangle 19">
+            <a:extLst>
+              <a:ext uri="{FF2B5EF4-FFF2-40B4-BE49-F238E27FC236}">
+                <a16:creationId xmlns:a16="http://schemas.microsoft.com/office/drawing/2014/main" id="{EC7FF834-B204-4967-8D47-8BB36EAF0EF5}"/>
+              </a:ext>
+              <a:ext uri="{C183D7F6-B498-43B3-948B-1728B52AA6E4}">
+                <adec:decorative xmlns:adec="http://schemas.microsoft.com/office/drawing/2017/decorative" val="1"/>
+              </a:ext>
+            </a:extLst>
+          </p:cNvPr>
+          <p:cNvSpPr>
+            <a:spLocks noGrp="1" noRot="1" noChangeAspect="1" noMove="1" noResize="1" noEditPoints="1" noAdjustHandles="1" noChangeArrowheads="1" noChangeShapeType="1" noTextEdit="1"/>
+          </p:cNvSpPr>
+          <p:nvPr>
+            <p:extLst>
+              <p:ext uri="{386F3935-93C4-4BCD-93E2-E3B085C9AB24}">
+                <p16:designElem xmlns:p16="http://schemas.microsoft.com/office/powerpoint/2015/main" val="1"/>
+              </p:ext>
+            </p:extLst>
+          </p:nvPr>
+        </p:nvSpPr>
+        <p:spPr>
+          <a:xfrm>
+            <a:off x="0" y="-2"/>
+            <a:ext cx="12192000" cy="6858002"/>
+          </a:xfrm>
+          <a:prstGeom prst="rect">
+            <a:avLst/>
+          </a:prstGeom>
+          <a:ln>
+            <a:noFill/>
+          </a:ln>
+        </p:spPr>
+        <p:style>
+          <a:lnRef idx="2">
+            <a:schemeClr val="accent1">
+              <a:shade val="50000"/>
+            </a:schemeClr>
+          </a:lnRef>
+          <a:fillRef idx="1">
+            <a:schemeClr val="accent1"/>
+          </a:fillRef>
+          <a:effectRef idx="0">
+            <a:schemeClr val="accent1"/>
+          </a:effectRef>
+          <a:fontRef idx="minor">
+            <a:schemeClr val="lt1"/>
+          </a:fontRef>
+        </p:style>
+        <p:txBody>
+          <a:bodyPr rtlCol="0" anchor="ctr"/>
+          <a:lstStyle/>
+          <a:p>
+            <a:pPr algn="ctr"/>
+            <a:endParaRPr lang="en-US"/>
+          </a:p>
+        </p:txBody>
+      </p:sp>
+      <p:sp>
+        <p:nvSpPr>
+          <p:cNvPr id="22" name="Rectangle 21">
+            <a:extLst>
+              <a:ext uri="{FF2B5EF4-FFF2-40B4-BE49-F238E27FC236}">
+                <a16:creationId xmlns:a16="http://schemas.microsoft.com/office/drawing/2014/main" id="{F780A22D-61EA-43E3-BD94-3E39CF902160}"/>
+              </a:ext>
+              <a:ext uri="{C183D7F6-B498-43B3-948B-1728B52AA6E4}">
+                <adec:decorative xmlns:adec="http://schemas.microsoft.com/office/drawing/2017/decorative" val="1"/>
+              </a:ext>
+            </a:extLst>
+          </p:cNvPr>
+          <p:cNvSpPr>
+            <a:spLocks noGrp="1" noRot="1" noChangeAspect="1" noMove="1" noResize="1" noEditPoints="1" noAdjustHandles="1" noChangeArrowheads="1" noChangeShapeType="1" noTextEdit="1"/>
+          </p:cNvSpPr>
+          <p:nvPr>
+            <p:extLst>
+              <p:ext uri="{386F3935-93C4-4BCD-93E2-E3B085C9AB24}">
+                <p16:designElem xmlns:p16="http://schemas.microsoft.com/office/powerpoint/2015/main" val="1"/>
+              </p:ext>
+            </p:extLst>
+          </p:nvPr>
+        </p:nvSpPr>
+        <p:spPr>
+          <a:xfrm>
+            <a:off x="0" y="4918509"/>
+            <a:ext cx="12192000" cy="1939491"/>
+          </a:xfrm>
+          <a:prstGeom prst="rect">
+            <a:avLst/>
+          </a:prstGeom>
+          <a:solidFill>
+            <a:schemeClr val="accent2"/>
+          </a:solidFill>
+          <a:ln>
+            <a:noFill/>
+          </a:ln>
+        </p:spPr>
+        <p:style>
+          <a:lnRef idx="2">
+            <a:schemeClr val="accent1">
+              <a:shade val="50000"/>
+            </a:schemeClr>
+          </a:lnRef>
+          <a:fillRef idx="1">
+            <a:schemeClr val="accent1"/>
+          </a:fillRef>
+          <a:effectRef idx="0">
+            <a:schemeClr val="accent1"/>
+          </a:effectRef>
+          <a:fontRef idx="minor">
+            <a:schemeClr val="lt1"/>
+          </a:fontRef>
+        </p:style>
+        <p:txBody>
+          <a:bodyPr rtlCol="0" anchor="ctr"/>
+          <a:lstStyle/>
+          <a:p>
+            <a:pPr algn="ctr"/>
+            <a:endParaRPr lang="en-US"/>
+          </a:p>
+        </p:txBody>
+      </p:sp>
+      <p:sp>
+        <p:nvSpPr>
+          <p:cNvPr id="2" name="Title 1">
+            <a:extLst>
+              <a:ext uri="{FF2B5EF4-FFF2-40B4-BE49-F238E27FC236}">
+                <a16:creationId xmlns:a16="http://schemas.microsoft.com/office/drawing/2014/main" id="{29A56F46-ADAF-493C-A538-476BEC93103D}"/>
+              </a:ext>
+            </a:extLst>
+          </p:cNvPr>
+          <p:cNvSpPr>
+            <a:spLocks noGrp="1"/>
+          </p:cNvSpPr>
+          <p:nvPr>
+            <p:ph type="title"/>
+          </p:nvPr>
+        </p:nvSpPr>
+        <p:spPr>
+          <a:xfrm>
+            <a:off x="1600200" y="4269282"/>
+            <a:ext cx="8991600" cy="1264762"/>
+          </a:xfrm>
+        </p:spPr>
+        <p:txBody>
+          <a:bodyPr vert="horz" lIns="274320" tIns="182880" rIns="274320" bIns="182880" rtlCol="0" anchor="ctr" anchorCtr="1">
+            <a:normAutofit/>
+          </a:bodyPr>
+          <a:lstStyle/>
+          <a:p>
+            <a:r>
+              <a:rPr lang="en-US" sz="3200"/>
+              <a:t>Path of least resistance through TCP</a:t>
+            </a:r>
+          </a:p>
+        </p:txBody>
+      </p:sp>
+      <p:sp>
+        <p:nvSpPr>
+          <p:cNvPr id="10" name="Content Placeholder 9">
+            <a:extLst>
+              <a:ext uri="{FF2B5EF4-FFF2-40B4-BE49-F238E27FC236}">
+                <a16:creationId xmlns:a16="http://schemas.microsoft.com/office/drawing/2014/main" id="{F7907547-D765-4329-A369-A4C7C464A751}"/>
+              </a:ext>
+            </a:extLst>
+          </p:cNvPr>
+          <p:cNvSpPr>
+            <a:spLocks noGrp="1"/>
+          </p:cNvSpPr>
+          <p:nvPr>
+            <p:ph idx="1"/>
+          </p:nvPr>
+        </p:nvSpPr>
+        <p:spPr>
+          <a:xfrm>
+            <a:off x="2695194" y="5688535"/>
+            <a:ext cx="6801612" cy="778049"/>
+          </a:xfrm>
+        </p:spPr>
+        <p:txBody>
+          <a:bodyPr vert="horz" lIns="91440" tIns="45720" rIns="91440" bIns="45720" rtlCol="0">
+            <a:normAutofit/>
+          </a:bodyPr>
+          <a:lstStyle/>
+          <a:p>
+            <a:pPr marL="0" indent="0" algn="ctr">
+              <a:buNone/>
+            </a:pPr>
+            <a:r>
+              <a:rPr lang="en-US" kern="1200" dirty="0">
+                <a:solidFill>
+                  <a:srgbClr val="FFFFFF"/>
+                </a:solidFill>
+                <a:latin typeface="+mn-lt"/>
+                <a:ea typeface="+mn-ea"/>
+                <a:cs typeface="+mn-cs"/>
+              </a:rPr>
+              <a:t>Weights = [</a:t>
+            </a:r>
+            <a:r>
+              <a:rPr lang="en-US" dirty="0">
+                <a:solidFill>
+                  <a:srgbClr val="FFFFFF"/>
+                </a:solidFill>
+              </a:rPr>
+              <a:t>POPEN=1</a:t>
+            </a:r>
+            <a:r>
+              <a:rPr lang="en-US" kern="1200" dirty="0">
+                <a:solidFill>
+                  <a:srgbClr val="FFFFFF"/>
+                </a:solidFill>
+                <a:latin typeface="+mn-lt"/>
+                <a:ea typeface="+mn-ea"/>
+                <a:cs typeface="+mn-cs"/>
+              </a:rPr>
+              <a:t>,AOPEN=2,CLOSE=1,RECV=3,RECVACK=2,TIMEOUT=4]</a:t>
+            </a:r>
+          </a:p>
+        </p:txBody>
+      </p:sp>
+      <p:pic>
+        <p:nvPicPr>
+          <p:cNvPr id="8" name="Picture 7">
+            <a:extLst>
+              <a:ext uri="{FF2B5EF4-FFF2-40B4-BE49-F238E27FC236}">
+                <a16:creationId xmlns:a16="http://schemas.microsoft.com/office/drawing/2014/main" id="{0B05C654-1A7D-4668-AD2F-4EACAD1592BB}"/>
+              </a:ext>
+            </a:extLst>
+          </p:cNvPr>
+          <p:cNvPicPr>
+            <a:picLocks noChangeAspect="1"/>
+          </p:cNvPicPr>
+          <p:nvPr/>
+        </p:nvPicPr>
+        <p:blipFill>
+          <a:blip r:embed="rId2">
+            <a:extLst>
+              <a:ext uri="{28A0092B-C50C-407E-A947-70E740481C1C}">
+                <a14:useLocalDpi xmlns:a14="http://schemas.microsoft.com/office/drawing/2010/main" val="0"/>
+              </a:ext>
+            </a:extLst>
+          </a:blip>
+          <a:srcRect/>
+          <a:stretch/>
+        </p:blipFill>
+        <p:spPr>
+          <a:xfrm>
+            <a:off x="-1" y="754688"/>
+            <a:ext cx="12203889" cy="1912196"/>
+          </a:xfrm>
+          <a:prstGeom prst="rect">
+            <a:avLst/>
+          </a:prstGeom>
+        </p:spPr>
+      </p:pic>
+      <p:sp>
+        <p:nvSpPr>
+          <p:cNvPr id="9" name="Content Placeholder 9">
+            <a:extLst>
+              <a:ext uri="{FF2B5EF4-FFF2-40B4-BE49-F238E27FC236}">
+                <a16:creationId xmlns:a16="http://schemas.microsoft.com/office/drawing/2014/main" id="{C555FA73-8933-48B1-945A-FA0AC0423EBF}"/>
+              </a:ext>
+            </a:extLst>
+          </p:cNvPr>
+          <p:cNvSpPr txBox="1">
+            <a:spLocks/>
+          </p:cNvSpPr>
+          <p:nvPr/>
+        </p:nvSpPr>
+        <p:spPr>
+          <a:xfrm>
+            <a:off x="2695194" y="3014647"/>
+            <a:ext cx="6801612" cy="778049"/>
+          </a:xfrm>
+          <a:prstGeom prst="rect">
+            <a:avLst/>
+          </a:prstGeom>
+        </p:spPr>
+        <p:txBody>
+          <a:bodyPr vert="horz" lIns="91440" tIns="45720" rIns="91440" bIns="45720" rtlCol="0">
+            <a:normAutofit/>
+          </a:bodyPr>
+          <a:lstStyle>
+            <a:lvl1pPr marL="228600" indent="-228600" algn="l" defTabSz="914400" rtl="0" eaLnBrk="1" latinLnBrk="0" hangingPunct="1">
+              <a:lnSpc>
+                <a:spcPct val="100000"/>
+              </a:lnSpc>
+              <a:spcBef>
+                <a:spcPts val="1000"/>
+              </a:spcBef>
+              <a:buClr>
+                <a:schemeClr val="accent2"/>
+              </a:buClr>
+              <a:buFont typeface="Arial" panose="020B0604020202020204" pitchFamily="34" charset="0"/>
+              <a:buChar char="•"/>
+              <a:defRPr sz="1800" kern="1200">
+                <a:solidFill>
+                  <a:schemeClr val="tx1">
+                    <a:lumMod val="85000"/>
+                    <a:lumOff val="15000"/>
+                  </a:schemeClr>
+                </a:solidFill>
+                <a:latin typeface="+mn-lt"/>
+                <a:ea typeface="+mn-ea"/>
+                <a:cs typeface="+mn-cs"/>
+              </a:defRPr>
+            </a:lvl1pPr>
+            <a:lvl2pPr marL="457200" indent="-228600" algn="l" defTabSz="914400" rtl="0" eaLnBrk="1" latinLnBrk="0" hangingPunct="1">
+              <a:lnSpc>
+                <a:spcPct val="100000"/>
+              </a:lnSpc>
+              <a:spcBef>
+                <a:spcPts val="1000"/>
+              </a:spcBef>
+              <a:buClr>
+                <a:schemeClr val="accent2"/>
+              </a:buClr>
+              <a:buFont typeface="Arial" panose="020B0604020202020204" pitchFamily="34" charset="0"/>
+              <a:buChar char="•"/>
+              <a:defRPr sz="1600" kern="1200">
+                <a:solidFill>
+                  <a:schemeClr val="tx1">
+                    <a:lumMod val="85000"/>
+                    <a:lumOff val="15000"/>
+                  </a:schemeClr>
+                </a:solidFill>
+                <a:latin typeface="+mn-lt"/>
+                <a:ea typeface="+mn-ea"/>
+                <a:cs typeface="+mn-cs"/>
+              </a:defRPr>
+            </a:lvl2pPr>
+            <a:lvl3pPr marL="685800" indent="-228600" algn="l" defTabSz="914400" rtl="0" eaLnBrk="1" latinLnBrk="0" hangingPunct="1">
+              <a:lnSpc>
+                <a:spcPct val="100000"/>
+              </a:lnSpc>
+              <a:spcBef>
+                <a:spcPts val="1000"/>
+              </a:spcBef>
+              <a:buClr>
+                <a:schemeClr val="accent2"/>
+              </a:buClr>
+              <a:buFont typeface="Arial" panose="020B0604020202020204" pitchFamily="34" charset="0"/>
+              <a:buChar char="•"/>
+              <a:defRPr sz="1600" kern="1200">
+                <a:solidFill>
+                  <a:schemeClr val="tx1">
+                    <a:lumMod val="85000"/>
+                    <a:lumOff val="15000"/>
+                  </a:schemeClr>
+                </a:solidFill>
+                <a:latin typeface="+mn-lt"/>
+                <a:ea typeface="+mn-ea"/>
+                <a:cs typeface="+mn-cs"/>
+              </a:defRPr>
+            </a:lvl3pPr>
+            <a:lvl4pPr marL="914400" indent="-228600" algn="l" defTabSz="914400" rtl="0" eaLnBrk="1" latinLnBrk="0" hangingPunct="1">
+              <a:lnSpc>
+                <a:spcPct val="100000"/>
+              </a:lnSpc>
+              <a:spcBef>
+                <a:spcPts val="1000"/>
+              </a:spcBef>
+              <a:buClr>
+                <a:schemeClr val="accent2"/>
+              </a:buClr>
+              <a:buFont typeface="Arial" panose="020B0604020202020204" pitchFamily="34" charset="0"/>
+              <a:buChar char="•"/>
+              <a:defRPr sz="1600" kern="1200">
+                <a:solidFill>
+                  <a:schemeClr val="tx1">
+                    <a:lumMod val="85000"/>
+                    <a:lumOff val="15000"/>
+                  </a:schemeClr>
+                </a:solidFill>
+                <a:latin typeface="+mn-lt"/>
+                <a:ea typeface="+mn-ea"/>
+                <a:cs typeface="+mn-cs"/>
+              </a:defRPr>
+            </a:lvl4pPr>
+            <a:lvl5pPr marL="1143000" indent="-228600" algn="l" defTabSz="914400" rtl="0" eaLnBrk="1" latinLnBrk="0" hangingPunct="1">
+              <a:lnSpc>
+                <a:spcPct val="100000"/>
+              </a:lnSpc>
+              <a:spcBef>
+                <a:spcPts val="1000"/>
+              </a:spcBef>
+              <a:buClr>
+                <a:schemeClr val="accent2"/>
+              </a:buClr>
+              <a:buFont typeface="Arial" panose="020B0604020202020204" pitchFamily="34" charset="0"/>
+              <a:buChar char="•"/>
+              <a:defRPr sz="1600" kern="1200">
+                <a:solidFill>
+                  <a:schemeClr val="tx1">
+                    <a:lumMod val="85000"/>
+                    <a:lumOff val="15000"/>
+                  </a:schemeClr>
+                </a:solidFill>
+                <a:latin typeface="+mn-lt"/>
+                <a:ea typeface="+mn-ea"/>
+                <a:cs typeface="+mn-cs"/>
+              </a:defRPr>
+            </a:lvl5pPr>
+            <a:lvl6pPr marL="1312863" indent="-228600" algn="l" defTabSz="914400" rtl="0" eaLnBrk="1" latinLnBrk="0" hangingPunct="1">
+              <a:lnSpc>
+                <a:spcPct val="100000"/>
+              </a:lnSpc>
+              <a:spcBef>
+                <a:spcPts val="1000"/>
+              </a:spcBef>
+              <a:buClr>
+                <a:schemeClr val="accent2"/>
+              </a:buClr>
+              <a:buFont typeface="Arial" panose="020B0604020202020204" pitchFamily="34" charset="0"/>
+              <a:buChar char="•"/>
+              <a:defRPr sz="1600" kern="1200">
+                <a:solidFill>
+                  <a:schemeClr val="tx1"/>
+                </a:solidFill>
+                <a:latin typeface="+mn-lt"/>
+                <a:ea typeface="+mn-ea"/>
+                <a:cs typeface="+mn-cs"/>
+              </a:defRPr>
+            </a:lvl6pPr>
+            <a:lvl7pPr marL="1484313" indent="-228600" algn="l" defTabSz="914400" rtl="0" eaLnBrk="1" latinLnBrk="0" hangingPunct="1">
+              <a:lnSpc>
+                <a:spcPct val="100000"/>
+              </a:lnSpc>
+              <a:spcBef>
+                <a:spcPts val="1000"/>
+              </a:spcBef>
+              <a:buClr>
+                <a:schemeClr val="accent2"/>
+              </a:buClr>
+              <a:buFont typeface="Arial" panose="020B0604020202020204" pitchFamily="34" charset="0"/>
+              <a:buChar char="•"/>
+              <a:defRPr sz="1600" kern="1200">
+                <a:solidFill>
+                  <a:schemeClr val="tx1"/>
+                </a:solidFill>
+                <a:latin typeface="+mn-lt"/>
+                <a:ea typeface="+mn-ea"/>
+                <a:cs typeface="+mn-cs"/>
+              </a:defRPr>
+            </a:lvl7pPr>
+            <a:lvl8pPr marL="1657350" indent="-228600" algn="l" defTabSz="914400" rtl="0" eaLnBrk="1" latinLnBrk="0" hangingPunct="1">
+              <a:lnSpc>
+                <a:spcPct val="100000"/>
+              </a:lnSpc>
+              <a:spcBef>
+                <a:spcPts val="1000"/>
+              </a:spcBef>
+              <a:buClr>
+                <a:schemeClr val="accent2"/>
+              </a:buClr>
+              <a:buFont typeface="Arial" panose="020B0604020202020204" pitchFamily="34" charset="0"/>
+              <a:buChar char="•"/>
+              <a:defRPr sz="1600" kern="1200" baseline="0">
+                <a:solidFill>
+                  <a:schemeClr val="tx1"/>
+                </a:solidFill>
+                <a:latin typeface="+mn-lt"/>
+                <a:ea typeface="+mn-ea"/>
+                <a:cs typeface="+mn-cs"/>
+              </a:defRPr>
+            </a:lvl8pPr>
+            <a:lvl9pPr marL="1882775" indent="-228600" algn="l" defTabSz="914400" rtl="0" eaLnBrk="1" latinLnBrk="0" hangingPunct="1">
+              <a:lnSpc>
+                <a:spcPct val="100000"/>
+              </a:lnSpc>
+              <a:spcBef>
+                <a:spcPts val="1000"/>
+              </a:spcBef>
+              <a:buClr>
+                <a:schemeClr val="accent2"/>
+              </a:buClr>
+              <a:buFont typeface="Arial" panose="020B0604020202020204" pitchFamily="34" charset="0"/>
+              <a:buChar char="•"/>
+              <a:defRPr sz="1600" kern="1200" baseline="0">
+                <a:solidFill>
+                  <a:schemeClr val="tx1"/>
+                </a:solidFill>
+                <a:latin typeface="+mn-lt"/>
+                <a:ea typeface="+mn-ea"/>
+                <a:cs typeface="+mn-cs"/>
+              </a:defRPr>
+            </a:lvl9pPr>
+          </a:lstStyle>
+          <a:p>
+            <a:pPr marL="0" indent="0" algn="ctr">
+              <a:buFont typeface="Arial" panose="020B0604020202020204" pitchFamily="34" charset="0"/>
+              <a:buNone/>
+            </a:pPr>
+            <a:r>
+              <a:rPr lang="en-US" dirty="0"/>
+              <a:t>Path is CLOSE→RECVACK→POPEN→RECV→CLOSE→RECVACK→RECV </a:t>
+            </a:r>
+          </a:p>
+        </p:txBody>
+      </p:sp>
+    </p:spTree>
+    <p:extLst>
+      <p:ext uri="{BB962C8B-B14F-4D97-AF65-F5344CB8AC3E}">
+        <p14:creationId xmlns:p14="http://schemas.microsoft.com/office/powerpoint/2010/main" val="2858767935"/>
       </p:ext>
     </p:extLst>
   </p:cSld>

--- a/implementation.pptx
+++ b/implementation.pptx
@@ -5,7 +5,7 @@
     <p:sldMasterId id="2147483672" r:id="rId1"/>
   </p:sldMasterIdLst>
   <p:notesMasterIdLst>
-    <p:notesMasterId r:id="rId32"/>
+    <p:notesMasterId r:id="rId33"/>
   </p:notesMasterIdLst>
   <p:sldIdLst>
     <p:sldId id="256" r:id="rId2"/>
@@ -38,6 +38,7 @@
     <p:sldId id="292" r:id="rId29"/>
     <p:sldId id="293" r:id="rId30"/>
     <p:sldId id="294" r:id="rId31"/>
+    <p:sldId id="295" r:id="rId32"/>
   </p:sldIdLst>
   <p:sldSz cx="12192000" cy="6858000"/>
   <p:notesSz cx="6858000" cy="9144000"/>
@@ -6699,7 +6700,7 @@
   <dgm:whole/>
   <dgm:extLst>
     <a:ext uri="http://schemas.microsoft.com/office/drawing/2008/diagram">
-      <dsp:dataModelExt xmlns:dsp="http://schemas.microsoft.com/office/drawing/2008/diagram" relId="rId6" minVer="http://schemas.openxmlformats.org/drawingml/2006/diagram"/>
+      <dsp:dataModelExt xmlns:dsp="http://schemas.microsoft.com/office/drawing/2008/diagram" relId="rId7" minVer="http://schemas.openxmlformats.org/drawingml/2006/diagram"/>
     </a:ext>
   </dgm:extLst>
 </dgm:dataModel>
@@ -17445,6 +17446,90 @@
 </p:notes>
 </file>
 
+<file path=ppt/notesSlides/notesSlide8.xml><?xml version="1.0" encoding="utf-8"?>
+<p:notes xmlns:a="http://schemas.openxmlformats.org/drawingml/2006/main" xmlns:r="http://schemas.openxmlformats.org/officeDocument/2006/relationships" xmlns:p="http://schemas.openxmlformats.org/presentationml/2006/main">
+  <p:cSld>
+    <p:spTree>
+      <p:nvGrpSpPr>
+        <p:cNvPr id="1" name=""/>
+        <p:cNvGrpSpPr/>
+        <p:nvPr/>
+      </p:nvGrpSpPr>
+      <p:grpSpPr>
+        <a:xfrm>
+          <a:off x="0" y="0"/>
+          <a:ext cx="0" cy="0"/>
+          <a:chOff x="0" y="0"/>
+          <a:chExt cx="0" cy="0"/>
+        </a:xfrm>
+      </p:grpSpPr>
+      <p:sp>
+        <p:nvSpPr>
+          <p:cNvPr id="2" name="Slide Image Placeholder 1"/>
+          <p:cNvSpPr>
+            <a:spLocks noGrp="1" noRot="1" noChangeAspect="1"/>
+          </p:cNvSpPr>
+          <p:nvPr>
+            <p:ph type="sldImg"/>
+          </p:nvPr>
+        </p:nvSpPr>
+        <p:spPr/>
+      </p:sp>
+      <p:sp>
+        <p:nvSpPr>
+          <p:cNvPr id="3" name="Notes Placeholder 2"/>
+          <p:cNvSpPr>
+            <a:spLocks noGrp="1"/>
+          </p:cNvSpPr>
+          <p:nvPr>
+            <p:ph type="body" idx="1"/>
+          </p:nvPr>
+        </p:nvSpPr>
+        <p:spPr/>
+        <p:txBody>
+          <a:bodyPr/>
+          <a:lstStyle/>
+          <a:p>
+            <a:endParaRPr lang="en-US" dirty="0"/>
+          </a:p>
+        </p:txBody>
+      </p:sp>
+      <p:sp>
+        <p:nvSpPr>
+          <p:cNvPr id="4" name="Slide Number Placeholder 3"/>
+          <p:cNvSpPr>
+            <a:spLocks noGrp="1"/>
+          </p:cNvSpPr>
+          <p:nvPr>
+            <p:ph type="sldNum" sz="quarter" idx="5"/>
+          </p:nvPr>
+        </p:nvSpPr>
+        <p:spPr/>
+        <p:txBody>
+          <a:bodyPr/>
+          <a:lstStyle/>
+          <a:p>
+            <a:fld id="{881FCCE4-283F-4621-9454-1613896DD231}" type="slidenum">
+              <a:rPr lang="en-US" smtClean="0"/>
+              <a:t>27</a:t>
+            </a:fld>
+            <a:endParaRPr lang="en-US"/>
+          </a:p>
+        </p:txBody>
+      </p:sp>
+    </p:spTree>
+    <p:extLst>
+      <p:ext uri="{BB962C8B-B14F-4D97-AF65-F5344CB8AC3E}">
+        <p14:creationId xmlns:p14="http://schemas.microsoft.com/office/powerpoint/2010/main" val="829603847"/>
+      </p:ext>
+    </p:extLst>
+  </p:cSld>
+  <p:clrMapOvr>
+    <a:masterClrMapping/>
+  </p:clrMapOvr>
+</p:notes>
+</file>
+
 <file path=ppt/slideLayouts/slideLayout1.xml><?xml version="1.0" encoding="utf-8"?>
 <p:sldLayout xmlns:a="http://schemas.openxmlformats.org/drawingml/2006/main" xmlns:r="http://schemas.openxmlformats.org/officeDocument/2006/relationships" xmlns:p="http://schemas.openxmlformats.org/presentationml/2006/main" type="title" preserve="1">
   <p:cSld name="Title Slide">
@@ -29163,7 +29248,7 @@
         </p:xfrm>
         <a:graphic>
           <a:graphicData uri="http://schemas.openxmlformats.org/drawingml/2006/diagram">
-            <dgm:relIds xmlns:dgm="http://schemas.openxmlformats.org/drawingml/2006/diagram" xmlns:r="http://schemas.openxmlformats.org/officeDocument/2006/relationships" r:dm="rId2" r:lo="rId3" r:qs="rId4" r:cs="rId5"/>
+            <dgm:relIds xmlns:dgm="http://schemas.openxmlformats.org/drawingml/2006/diagram" xmlns:r="http://schemas.openxmlformats.org/officeDocument/2006/relationships" r:dm="rId3" r:lo="rId4" r:qs="rId5" r:cs="rId6"/>
           </a:graphicData>
         </a:graphic>
       </p:graphicFrame>
@@ -29451,6 +29536,74 @@
           </a:prstGeom>
         </p:spPr>
       </p:pic>
+      <p:sp>
+        <p:nvSpPr>
+          <p:cNvPr id="3" name="TextBox 2">
+            <a:extLst>
+              <a:ext uri="{FF2B5EF4-FFF2-40B4-BE49-F238E27FC236}">
+                <a16:creationId xmlns:a16="http://schemas.microsoft.com/office/drawing/2014/main" id="{99AE3CE0-B795-4527-A2DA-72C787FFB62B}"/>
+              </a:ext>
+            </a:extLst>
+          </p:cNvPr>
+          <p:cNvSpPr txBox="1"/>
+          <p:nvPr/>
+        </p:nvSpPr>
+        <p:spPr>
+          <a:xfrm>
+            <a:off x="6184678" y="6053666"/>
+            <a:ext cx="4476939" cy="430887"/>
+          </a:xfrm>
+          <a:prstGeom prst="rect">
+            <a:avLst/>
+          </a:prstGeom>
+          <a:noFill/>
+        </p:spPr>
+        <p:txBody>
+          <a:bodyPr wrap="square" rtlCol="0">
+            <a:spAutoFit/>
+          </a:bodyPr>
+          <a:lstStyle/>
+          <a:p>
+            <a:pPr algn="l"/>
+            <a:r>
+              <a:rPr lang="en-US" sz="1100" b="0" i="0" u="none" strike="noStrike" baseline="0" dirty="0">
+                <a:latin typeface="Abadi" panose="020B0604020202020204" pitchFamily="34" charset="0"/>
+              </a:rPr>
+              <a:t>Elaine, R. (2007). Networks. </a:t>
+            </a:r>
+            <a:r>
+              <a:rPr lang="en-US" sz="1100" b="0" i="1" u="none" strike="noStrike" baseline="0" dirty="0">
+                <a:latin typeface="Abadi" panose="020B0604020202020204" pitchFamily="34" charset="0"/>
+              </a:rPr>
+              <a:t>Automata, Computability and Complexity:</a:t>
+            </a:r>
+          </a:p>
+          <a:p>
+            <a:pPr algn="l"/>
+            <a:r>
+              <a:rPr lang="en-US" sz="1100" b="0" i="1" u="none" strike="noStrike" baseline="0" dirty="0">
+                <a:latin typeface="Abadi" panose="020B0604020202020204" pitchFamily="34" charset="0"/>
+              </a:rPr>
+              <a:t>Theory and Applications </a:t>
+            </a:r>
+            <a:r>
+              <a:rPr lang="en-US" sz="1100" b="0" i="0" u="none" strike="noStrike" baseline="0" dirty="0">
+                <a:latin typeface="Abadi" panose="020B0604020202020204" pitchFamily="34" charset="0"/>
+              </a:rPr>
+              <a:t>(pp. 699-701).</a:t>
+            </a:r>
+            <a:r>
+              <a:rPr lang="en-US" sz="1100" b="0" u="none" strike="noStrike" baseline="0" dirty="0">
+                <a:latin typeface="Abadi" panose="020B0604020202020204" pitchFamily="34" charset="0"/>
+              </a:rPr>
+              <a:t> Pearson.</a:t>
+            </a:r>
+            <a:endParaRPr lang="en-US" sz="1100" dirty="0">
+              <a:latin typeface="Abadi" panose="020B0604020202020204" pitchFamily="34" charset="0"/>
+            </a:endParaRPr>
+          </a:p>
+        </p:txBody>
+      </p:sp>
     </p:spTree>
     <p:extLst>
       <p:ext uri="{BB962C8B-B14F-4D97-AF65-F5344CB8AC3E}">
@@ -30879,6 +31032,416 @@
     <p:extLst>
       <p:ext uri="{BB962C8B-B14F-4D97-AF65-F5344CB8AC3E}">
         <p14:creationId xmlns:p14="http://schemas.microsoft.com/office/powerpoint/2010/main" val="2858767935"/>
+      </p:ext>
+    </p:extLst>
+  </p:cSld>
+  <p:clrMapOvr>
+    <a:masterClrMapping/>
+  </p:clrMapOvr>
+</p:sld>
+</file>
+
+<file path=ppt/slides/slide31.xml><?xml version="1.0" encoding="utf-8"?>
+<p:sld xmlns:a="http://schemas.openxmlformats.org/drawingml/2006/main" xmlns:r="http://schemas.openxmlformats.org/officeDocument/2006/relationships" xmlns:p="http://schemas.openxmlformats.org/presentationml/2006/main">
+  <p:cSld>
+    <p:bg>
+      <p:bgPr>
+        <a:solidFill>
+          <a:schemeClr val="bg1"/>
+        </a:solidFill>
+        <a:effectLst/>
+      </p:bgPr>
+    </p:bg>
+    <p:spTree>
+      <p:nvGrpSpPr>
+        <p:cNvPr id="1" name=""/>
+        <p:cNvGrpSpPr/>
+        <p:nvPr/>
+      </p:nvGrpSpPr>
+      <p:grpSpPr>
+        <a:xfrm>
+          <a:off x="0" y="0"/>
+          <a:ext cx="0" cy="0"/>
+          <a:chOff x="0" y="0"/>
+          <a:chExt cx="0" cy="0"/>
+        </a:xfrm>
+      </p:grpSpPr>
+      <p:sp>
+        <p:nvSpPr>
+          <p:cNvPr id="8" name="Rectangle 7">
+            <a:extLst>
+              <a:ext uri="{FF2B5EF4-FFF2-40B4-BE49-F238E27FC236}">
+                <a16:creationId xmlns:a16="http://schemas.microsoft.com/office/drawing/2014/main" id="{C33976D1-3430-450C-A978-87A9A6E8E71F}"/>
+              </a:ext>
+              <a:ext uri="{C183D7F6-B498-43B3-948B-1728B52AA6E4}">
+                <adec:decorative xmlns:adec="http://schemas.microsoft.com/office/drawing/2017/decorative" val="1"/>
+              </a:ext>
+            </a:extLst>
+          </p:cNvPr>
+          <p:cNvSpPr>
+            <a:spLocks noGrp="1" noRot="1" noChangeAspect="1" noMove="1" noResize="1" noEditPoints="1" noAdjustHandles="1" noChangeArrowheads="1" noChangeShapeType="1" noTextEdit="1"/>
+          </p:cNvSpPr>
+          <p:nvPr>
+            <p:extLst>
+              <p:ext uri="{386F3935-93C4-4BCD-93E2-E3B085C9AB24}">
+                <p16:designElem xmlns:p16="http://schemas.microsoft.com/office/powerpoint/2015/main" val="1"/>
+              </p:ext>
+            </p:extLst>
+          </p:nvPr>
+        </p:nvSpPr>
+        <p:spPr>
+          <a:xfrm>
+            <a:off x="0" y="0"/>
+            <a:ext cx="12192000" cy="6858000"/>
+          </a:xfrm>
+          <a:prstGeom prst="rect">
+            <a:avLst/>
+          </a:prstGeom>
+          <a:solidFill>
+            <a:schemeClr val="accent2"/>
+          </a:solidFill>
+          <a:ln>
+            <a:noFill/>
+          </a:ln>
+        </p:spPr>
+        <p:style>
+          <a:lnRef idx="2">
+            <a:schemeClr val="accent1">
+              <a:shade val="50000"/>
+            </a:schemeClr>
+          </a:lnRef>
+          <a:fillRef idx="1">
+            <a:schemeClr val="accent1"/>
+          </a:fillRef>
+          <a:effectRef idx="0">
+            <a:schemeClr val="accent1"/>
+          </a:effectRef>
+          <a:fontRef idx="minor">
+            <a:schemeClr val="lt1"/>
+          </a:fontRef>
+        </p:style>
+        <p:txBody>
+          <a:bodyPr rtlCol="0" anchor="ctr"/>
+          <a:lstStyle/>
+          <a:p>
+            <a:pPr algn="ctr"/>
+            <a:endParaRPr lang="en-US"/>
+          </a:p>
+        </p:txBody>
+      </p:sp>
+      <p:sp>
+        <p:nvSpPr>
+          <p:cNvPr id="10" name="Rectangle 9">
+            <a:extLst>
+              <a:ext uri="{FF2B5EF4-FFF2-40B4-BE49-F238E27FC236}">
+                <a16:creationId xmlns:a16="http://schemas.microsoft.com/office/drawing/2014/main" id="{7D6AAC78-7D86-415A-ADC1-2B474807960C}"/>
+              </a:ext>
+              <a:ext uri="{C183D7F6-B498-43B3-948B-1728B52AA6E4}">
+                <adec:decorative xmlns:adec="http://schemas.microsoft.com/office/drawing/2017/decorative" val="1"/>
+              </a:ext>
+            </a:extLst>
+          </p:cNvPr>
+          <p:cNvSpPr>
+            <a:spLocks noGrp="1" noRot="1" noChangeAspect="1" noMove="1" noResize="1" noEditPoints="1" noAdjustHandles="1" noChangeArrowheads="1" noChangeShapeType="1" noTextEdit="1"/>
+          </p:cNvSpPr>
+          <p:nvPr>
+            <p:extLst>
+              <p:ext uri="{386F3935-93C4-4BCD-93E2-E3B085C9AB24}">
+                <p16:designElem xmlns:p16="http://schemas.microsoft.com/office/powerpoint/2015/main" val="1"/>
+              </p:ext>
+            </p:extLst>
+          </p:nvPr>
+        </p:nvSpPr>
+        <p:spPr>
+          <a:xfrm>
+            <a:off x="1249680" y="1248156"/>
+            <a:ext cx="9692640" cy="4361688"/>
+          </a:xfrm>
+          <a:prstGeom prst="rect">
+            <a:avLst/>
+          </a:prstGeom>
+          <a:solidFill>
+            <a:srgbClr val="FFFFFF"/>
+          </a:solidFill>
+          <a:ln>
+            <a:noFill/>
+          </a:ln>
+        </p:spPr>
+        <p:style>
+          <a:lnRef idx="2">
+            <a:schemeClr val="accent1">
+              <a:shade val="50000"/>
+            </a:schemeClr>
+          </a:lnRef>
+          <a:fillRef idx="1">
+            <a:schemeClr val="accent1"/>
+          </a:fillRef>
+          <a:effectRef idx="0">
+            <a:schemeClr val="accent1"/>
+          </a:effectRef>
+          <a:fontRef idx="minor">
+            <a:schemeClr val="lt1"/>
+          </a:fontRef>
+        </p:style>
+        <p:txBody>
+          <a:bodyPr rtlCol="0" anchor="ctr"/>
+          <a:lstStyle/>
+          <a:p>
+            <a:pPr algn="ctr"/>
+            <a:endParaRPr lang="en-US"/>
+          </a:p>
+        </p:txBody>
+      </p:sp>
+      <p:sp>
+        <p:nvSpPr>
+          <p:cNvPr id="12" name="Rectangle 11">
+            <a:extLst>
+              <a:ext uri="{FF2B5EF4-FFF2-40B4-BE49-F238E27FC236}">
+                <a16:creationId xmlns:a16="http://schemas.microsoft.com/office/drawing/2014/main" id="{F2A658D9-F185-44F1-BA33-D50320D1D078}"/>
+              </a:ext>
+              <a:ext uri="{C183D7F6-B498-43B3-948B-1728B52AA6E4}">
+                <adec:decorative xmlns:adec="http://schemas.microsoft.com/office/drawing/2017/decorative" val="1"/>
+              </a:ext>
+            </a:extLst>
+          </p:cNvPr>
+          <p:cNvSpPr>
+            <a:spLocks noGrp="1" noRot="1" noChangeAspect="1" noMove="1" noResize="1" noEditPoints="1" noAdjustHandles="1" noChangeArrowheads="1" noChangeShapeType="1" noTextEdit="1"/>
+          </p:cNvSpPr>
+          <p:nvPr>
+            <p:extLst>
+              <p:ext uri="{386F3935-93C4-4BCD-93E2-E3B085C9AB24}">
+                <p16:designElem xmlns:p16="http://schemas.microsoft.com/office/powerpoint/2015/main" val="1"/>
+              </p:ext>
+            </p:extLst>
+          </p:nvPr>
+        </p:nvSpPr>
+        <p:spPr>
+          <a:xfrm>
+            <a:off x="1062228" y="1060704"/>
+            <a:ext cx="10067544" cy="4736592"/>
+          </a:xfrm>
+          <a:prstGeom prst="rect">
+            <a:avLst/>
+          </a:prstGeom>
+          <a:noFill/>
+          <a:ln w="31750" cap="sq">
+            <a:solidFill>
+              <a:srgbClr val="FFFFFF"/>
+            </a:solidFill>
+            <a:miter lim="800000"/>
+          </a:ln>
+        </p:spPr>
+        <p:style>
+          <a:lnRef idx="2">
+            <a:schemeClr val="accent1">
+              <a:shade val="50000"/>
+            </a:schemeClr>
+          </a:lnRef>
+          <a:fillRef idx="1">
+            <a:schemeClr val="accent1"/>
+          </a:fillRef>
+          <a:effectRef idx="0">
+            <a:schemeClr val="accent1"/>
+          </a:effectRef>
+          <a:fontRef idx="minor">
+            <a:schemeClr val="lt1"/>
+          </a:fontRef>
+        </p:style>
+        <p:txBody>
+          <a:bodyPr rtlCol="0" anchor="ctr"/>
+          <a:lstStyle/>
+          <a:p>
+            <a:pPr algn="ctr"/>
+            <a:endParaRPr lang="en-US"/>
+          </a:p>
+        </p:txBody>
+      </p:sp>
+      <p:sp>
+        <p:nvSpPr>
+          <p:cNvPr id="2" name="Title 1">
+            <a:extLst>
+              <a:ext uri="{FF2B5EF4-FFF2-40B4-BE49-F238E27FC236}">
+                <a16:creationId xmlns:a16="http://schemas.microsoft.com/office/drawing/2014/main" id="{EAE03F97-A6B4-4144-845A-75853A1C2785}"/>
+              </a:ext>
+            </a:extLst>
+          </p:cNvPr>
+          <p:cNvSpPr>
+            <a:spLocks noGrp="1"/>
+          </p:cNvSpPr>
+          <p:nvPr>
+            <p:ph type="title"/>
+          </p:nvPr>
+        </p:nvSpPr>
+        <p:spPr>
+          <a:xfrm>
+            <a:off x="2231136" y="467418"/>
+            <a:ext cx="7729728" cy="1188720"/>
+          </a:xfrm>
+          <a:solidFill>
+            <a:srgbClr val="FFFFFF"/>
+          </a:solidFill>
+        </p:spPr>
+        <p:txBody>
+          <a:bodyPr>
+            <a:normAutofit/>
+          </a:bodyPr>
+          <a:lstStyle/>
+          <a:p>
+            <a:r>
+              <a:rPr lang="en-US" dirty="0"/>
+              <a:t>References</a:t>
+            </a:r>
+          </a:p>
+        </p:txBody>
+      </p:sp>
+      <p:sp>
+        <p:nvSpPr>
+          <p:cNvPr id="9" name="Content Placeholder 8">
+            <a:extLst>
+              <a:ext uri="{FF2B5EF4-FFF2-40B4-BE49-F238E27FC236}">
+                <a16:creationId xmlns:a16="http://schemas.microsoft.com/office/drawing/2014/main" id="{B0FBDB7D-9966-44EC-A1A6-49D7D43DBFB8}"/>
+              </a:ext>
+            </a:extLst>
+          </p:cNvPr>
+          <p:cNvSpPr txBox="1">
+            <a:spLocks noGrp="1"/>
+          </p:cNvSpPr>
+          <p:nvPr>
+            <p:ph idx="1"/>
+          </p:nvPr>
+        </p:nvSpPr>
+        <p:spPr>
+          <a:xfrm>
+            <a:off x="1706563" y="2290763"/>
+            <a:ext cx="8778875" cy="1323439"/>
+          </a:xfrm>
+          <a:prstGeom prst="rect">
+            <a:avLst/>
+          </a:prstGeom>
+          <a:noFill/>
+        </p:spPr>
+        <p:txBody>
+          <a:bodyPr wrap="square" rtlCol="0">
+            <a:spAutoFit/>
+          </a:bodyPr>
+          <a:lstStyle/>
+          <a:p>
+            <a:pPr algn="l"/>
+            <a:r>
+              <a:rPr lang="en-US" sz="1100" b="0" i="0" u="none" strike="noStrike" baseline="0" dirty="0" err="1">
+                <a:latin typeface="Abadi" panose="020B0604020202020204" pitchFamily="34" charset="0"/>
+              </a:rPr>
+              <a:t>Ruszil</a:t>
+            </a:r>
+            <a:r>
+              <a:rPr lang="en-US" sz="1100" b="0" i="0" u="none" strike="noStrike" baseline="0" dirty="0">
+                <a:latin typeface="Abadi" panose="020B0604020202020204" pitchFamily="34" charset="0"/>
+              </a:rPr>
+              <a:t>, J. (2021). Approximation algorithm for finding short synchronizing words in weighted automata. </a:t>
+            </a:r>
+            <a:r>
+              <a:rPr lang="en-US" sz="1100" b="0" i="0" u="none" strike="noStrike" baseline="0" dirty="0" err="1">
+                <a:latin typeface="Abadi" panose="020B0604020202020204" pitchFamily="34" charset="0"/>
+              </a:rPr>
+              <a:t>arXiv</a:t>
+            </a:r>
+            <a:r>
+              <a:rPr lang="en-US" sz="1100" b="0" i="0" u="none" strike="noStrike" baseline="0" dirty="0">
+                <a:latin typeface="Abadi" panose="020B0604020202020204" pitchFamily="34" charset="0"/>
+              </a:rPr>
+              <a:t> preprint arXiv:2103.16185.</a:t>
+            </a:r>
+          </a:p>
+          <a:p>
+            <a:pPr algn="l"/>
+            <a:r>
+              <a:rPr lang="en-US" sz="1100" b="0" i="0" u="none" strike="noStrike" baseline="0" dirty="0">
+                <a:latin typeface="Abadi" panose="020B0604020202020204" pitchFamily="34" charset="0"/>
+              </a:rPr>
+              <a:t>Elaine, R. (2007). </a:t>
+            </a:r>
+            <a:r>
+              <a:rPr lang="en-US" sz="1100" b="0" i="1" u="none" strike="noStrike" baseline="0" dirty="0">
+                <a:latin typeface="Abadi" panose="020B0604020202020204" pitchFamily="34" charset="0"/>
+              </a:rPr>
+              <a:t>Automata, Computability and Complexity: Theory and Applications</a:t>
+            </a:r>
+            <a:r>
+              <a:rPr lang="en-US" sz="1100" b="0" u="none" strike="noStrike" baseline="0" dirty="0">
+                <a:latin typeface="Abadi" panose="020B0604020202020204" pitchFamily="34" charset="0"/>
+              </a:rPr>
+              <a:t>.</a:t>
+            </a:r>
+            <a:r>
+              <a:rPr lang="en-US" sz="1100" b="0" i="1" u="none" strike="noStrike" baseline="0" dirty="0">
+                <a:latin typeface="Abadi" panose="020B0604020202020204" pitchFamily="34" charset="0"/>
+              </a:rPr>
+              <a:t> </a:t>
+            </a:r>
+            <a:r>
+              <a:rPr lang="en-US" sz="1100" b="0" u="none" strike="noStrike" baseline="0" dirty="0">
+                <a:latin typeface="Abadi" panose="020B0604020202020204" pitchFamily="34" charset="0"/>
+              </a:rPr>
+              <a:t>Pearson.</a:t>
+            </a:r>
+          </a:p>
+          <a:p>
+            <a:pPr algn="l"/>
+            <a:r>
+              <a:rPr lang="en-US" sz="1100" b="0" u="none" strike="noStrike" baseline="0" dirty="0">
+                <a:latin typeface="Abadi" panose="020B0604020202020204" pitchFamily="34" charset="0"/>
+              </a:rPr>
+              <a:t>David </a:t>
+            </a:r>
+            <a:r>
+              <a:rPr lang="en-US" sz="1100" b="0" u="none" strike="noStrike" baseline="0" dirty="0" err="1">
+                <a:latin typeface="Abadi" panose="020B0604020202020204" pitchFamily="34" charset="0"/>
+              </a:rPr>
+              <a:t>Eppstein</a:t>
+            </a:r>
+            <a:r>
+              <a:rPr lang="en-US" sz="1100" b="0" u="none" strike="noStrike" baseline="0" dirty="0">
+                <a:latin typeface="Abadi" panose="020B0604020202020204" pitchFamily="34" charset="0"/>
+              </a:rPr>
+              <a:t>. 1990. Reset sequences for monotonic automata. SIAM J. </a:t>
+            </a:r>
+            <a:r>
+              <a:rPr lang="en-US" sz="1100" b="0" u="none" strike="noStrike" baseline="0" dirty="0" err="1">
+                <a:latin typeface="Abadi" panose="020B0604020202020204" pitchFamily="34" charset="0"/>
+              </a:rPr>
+              <a:t>Comput</a:t>
+            </a:r>
+            <a:r>
+              <a:rPr lang="en-US" sz="1100" b="0" u="none" strike="noStrike" baseline="0" dirty="0">
+                <a:latin typeface="Abadi" panose="020B0604020202020204" pitchFamily="34" charset="0"/>
+              </a:rPr>
+              <a:t>. 19, 3 (June 1990), 500–510. </a:t>
+            </a:r>
+            <a:r>
+              <a:rPr lang="en-US" sz="1100" b="0" u="none" strike="noStrike" baseline="0" dirty="0" err="1">
+                <a:latin typeface="Abadi" panose="020B0604020202020204" pitchFamily="34" charset="0"/>
+              </a:rPr>
+              <a:t>DOI:https</a:t>
+            </a:r>
+            <a:r>
+              <a:rPr lang="en-US" sz="1100" b="0" u="none" strike="noStrike" baseline="0" dirty="0">
+                <a:latin typeface="Abadi" panose="020B0604020202020204" pitchFamily="34" charset="0"/>
+              </a:rPr>
+              <a:t>://doi.org/10.1137/0219033</a:t>
+            </a:r>
+          </a:p>
+          <a:p>
+            <a:pPr algn="l"/>
+            <a:endParaRPr lang="en-US" sz="1100" dirty="0">
+              <a:latin typeface="Abadi" panose="020B0604020202020204" pitchFamily="34" charset="0"/>
+            </a:endParaRPr>
+          </a:p>
+        </p:txBody>
+      </p:sp>
+    </p:spTree>
+    <p:extLst>
+      <p:ext uri="{BB962C8B-B14F-4D97-AF65-F5344CB8AC3E}">
+        <p14:creationId xmlns:p14="http://schemas.microsoft.com/office/powerpoint/2010/main" val="1363259825"/>
       </p:ext>
     </p:extLst>
   </p:cSld>
